--- a/Chapitre_02_Hyperstatisme/TD_04_Tuyere/images/Figures.pptx
+++ b/Chapitre_02_Hyperstatisme/TD_04_Tuyere/images/Figures.pptx
@@ -112,6 +112,22 @@
       </a:defRPr>
     </a:lvl9pPr>
   </p:defaultTextStyle>
+  <p:extLst>
+    <p:ext uri="{EFAFB233-063F-42B5-8137-9DF3F51BA10A}">
+      <p15:sldGuideLst xmlns:p15="http://schemas.microsoft.com/office/powerpoint/2012/main">
+        <p15:guide id="1" orient="horz" pos="2160">
+          <p15:clr>
+            <a:srgbClr val="A4A3A4"/>
+          </p15:clr>
+        </p15:guide>
+        <p15:guide id="2" pos="2880">
+          <p15:clr>
+            <a:srgbClr val="A4A3A4"/>
+          </p15:clr>
+        </p15:guide>
+      </p15:sldGuideLst>
+    </p:ext>
+  </p:extLst>
 </p:presentation>
 </file>
 
@@ -153,7 +169,7 @@
           <a:lstStyle/>
           <a:p>
             <a:r>
-              <a:rPr lang="fr-FR" smtClean="0"/>
+              <a:rPr lang="fr-FR"/>
               <a:t>Cliquez pour modifier le style du titre</a:t>
             </a:r>
             <a:endParaRPr lang="fr-BE"/>
@@ -272,7 +288,7 @@
           </a:lstStyle>
           <a:p>
             <a:r>
-              <a:rPr lang="fr-FR" smtClean="0"/>
+              <a:rPr lang="fr-FR"/>
               <a:t>Cliquez pour modifier le style des sous-titres du masque</a:t>
             </a:r>
             <a:endParaRPr lang="fr-BE"/>
@@ -296,7 +312,7 @@
           <a:p>
             <a:fld id="{AA309A6D-C09C-4548-B29A-6CF363A7E532}" type="datetimeFigureOut">
               <a:rPr lang="fr-FR" smtClean="0"/>
-              <a:t>14/04/2018</a:t>
+              <a:t>11/02/2019</a:t>
             </a:fld>
             <a:endParaRPr lang="fr-BE"/>
           </a:p>
@@ -385,7 +401,7 @@
           <a:lstStyle/>
           <a:p>
             <a:r>
-              <a:rPr lang="fr-FR" smtClean="0"/>
+              <a:rPr lang="fr-FR"/>
               <a:t>Cliquez pour modifier le style du titre</a:t>
             </a:r>
             <a:endParaRPr lang="fr-BE"/>
@@ -409,35 +425,35 @@
           <a:p>
             <a:pPr lvl="0"/>
             <a:r>
-              <a:rPr lang="fr-FR" smtClean="0"/>
+              <a:rPr lang="fr-FR"/>
               <a:t>Cliquez pour modifier les styles du texte du masque</a:t>
             </a:r>
           </a:p>
           <a:p>
             <a:pPr lvl="1"/>
             <a:r>
-              <a:rPr lang="fr-FR" smtClean="0"/>
+              <a:rPr lang="fr-FR"/>
               <a:t>Deuxième niveau</a:t>
             </a:r>
           </a:p>
           <a:p>
             <a:pPr lvl="2"/>
             <a:r>
-              <a:rPr lang="fr-FR" smtClean="0"/>
+              <a:rPr lang="fr-FR"/>
               <a:t>Troisième niveau</a:t>
             </a:r>
           </a:p>
           <a:p>
             <a:pPr lvl="3"/>
             <a:r>
-              <a:rPr lang="fr-FR" smtClean="0"/>
+              <a:rPr lang="fr-FR"/>
               <a:t>Quatrième niveau</a:t>
             </a:r>
           </a:p>
           <a:p>
             <a:pPr lvl="4"/>
             <a:r>
-              <a:rPr lang="fr-FR" smtClean="0"/>
+              <a:rPr lang="fr-FR"/>
               <a:t>Cinquième niveau</a:t>
             </a:r>
             <a:endParaRPr lang="fr-BE"/>
@@ -461,7 +477,7 @@
           <a:p>
             <a:fld id="{AA309A6D-C09C-4548-B29A-6CF363A7E532}" type="datetimeFigureOut">
               <a:rPr lang="fr-FR" smtClean="0"/>
-              <a:t>14/04/2018</a:t>
+              <a:t>11/02/2019</a:t>
             </a:fld>
             <a:endParaRPr lang="fr-BE"/>
           </a:p>
@@ -555,7 +571,7 @@
           <a:lstStyle/>
           <a:p>
             <a:r>
-              <a:rPr lang="fr-FR" smtClean="0"/>
+              <a:rPr lang="fr-FR"/>
               <a:t>Cliquez pour modifier le style du titre</a:t>
             </a:r>
             <a:endParaRPr lang="fr-BE"/>
@@ -584,35 +600,35 @@
           <a:p>
             <a:pPr lvl="0"/>
             <a:r>
-              <a:rPr lang="fr-FR" smtClean="0"/>
+              <a:rPr lang="fr-FR"/>
               <a:t>Cliquez pour modifier les styles du texte du masque</a:t>
             </a:r>
           </a:p>
           <a:p>
             <a:pPr lvl="1"/>
             <a:r>
-              <a:rPr lang="fr-FR" smtClean="0"/>
+              <a:rPr lang="fr-FR"/>
               <a:t>Deuxième niveau</a:t>
             </a:r>
           </a:p>
           <a:p>
             <a:pPr lvl="2"/>
             <a:r>
-              <a:rPr lang="fr-FR" smtClean="0"/>
+              <a:rPr lang="fr-FR"/>
               <a:t>Troisième niveau</a:t>
             </a:r>
           </a:p>
           <a:p>
             <a:pPr lvl="3"/>
             <a:r>
-              <a:rPr lang="fr-FR" smtClean="0"/>
+              <a:rPr lang="fr-FR"/>
               <a:t>Quatrième niveau</a:t>
             </a:r>
           </a:p>
           <a:p>
             <a:pPr lvl="4"/>
             <a:r>
-              <a:rPr lang="fr-FR" smtClean="0"/>
+              <a:rPr lang="fr-FR"/>
               <a:t>Cinquième niveau</a:t>
             </a:r>
             <a:endParaRPr lang="fr-BE"/>
@@ -636,7 +652,7 @@
           <a:p>
             <a:fld id="{AA309A6D-C09C-4548-B29A-6CF363A7E532}" type="datetimeFigureOut">
               <a:rPr lang="fr-FR" smtClean="0"/>
-              <a:t>14/04/2018</a:t>
+              <a:t>11/02/2019</a:t>
             </a:fld>
             <a:endParaRPr lang="fr-BE"/>
           </a:p>
@@ -725,7 +741,7 @@
           <a:lstStyle/>
           <a:p>
             <a:r>
-              <a:rPr lang="fr-FR" smtClean="0"/>
+              <a:rPr lang="fr-FR"/>
               <a:t>Cliquez pour modifier le style du titre</a:t>
             </a:r>
             <a:endParaRPr lang="fr-BE"/>
@@ -749,35 +765,35 @@
           <a:p>
             <a:pPr lvl="0"/>
             <a:r>
-              <a:rPr lang="fr-FR" smtClean="0"/>
+              <a:rPr lang="fr-FR"/>
               <a:t>Cliquez pour modifier les styles du texte du masque</a:t>
             </a:r>
           </a:p>
           <a:p>
             <a:pPr lvl="1"/>
             <a:r>
-              <a:rPr lang="fr-FR" smtClean="0"/>
+              <a:rPr lang="fr-FR"/>
               <a:t>Deuxième niveau</a:t>
             </a:r>
           </a:p>
           <a:p>
             <a:pPr lvl="2"/>
             <a:r>
-              <a:rPr lang="fr-FR" smtClean="0"/>
+              <a:rPr lang="fr-FR"/>
               <a:t>Troisième niveau</a:t>
             </a:r>
           </a:p>
           <a:p>
             <a:pPr lvl="3"/>
             <a:r>
-              <a:rPr lang="fr-FR" smtClean="0"/>
+              <a:rPr lang="fr-FR"/>
               <a:t>Quatrième niveau</a:t>
             </a:r>
           </a:p>
           <a:p>
             <a:pPr lvl="4"/>
             <a:r>
-              <a:rPr lang="fr-FR" smtClean="0"/>
+              <a:rPr lang="fr-FR"/>
               <a:t>Cinquième niveau</a:t>
             </a:r>
             <a:endParaRPr lang="fr-BE"/>
@@ -801,7 +817,7 @@
           <a:p>
             <a:fld id="{AA309A6D-C09C-4548-B29A-6CF363A7E532}" type="datetimeFigureOut">
               <a:rPr lang="fr-FR" smtClean="0"/>
-              <a:t>14/04/2018</a:t>
+              <a:t>11/02/2019</a:t>
             </a:fld>
             <a:endParaRPr lang="fr-BE"/>
           </a:p>
@@ -899,7 +915,7 @@
           </a:lstStyle>
           <a:p>
             <a:r>
-              <a:rPr lang="fr-FR" smtClean="0"/>
+              <a:rPr lang="fr-FR"/>
               <a:t>Cliquez pour modifier le style du titre</a:t>
             </a:r>
             <a:endParaRPr lang="fr-BE"/>
@@ -1019,7 +1035,7 @@
           <a:p>
             <a:pPr lvl="0"/>
             <a:r>
-              <a:rPr lang="fr-FR" smtClean="0"/>
+              <a:rPr lang="fr-FR"/>
               <a:t>Cliquez pour modifier les styles du texte du masque</a:t>
             </a:r>
           </a:p>
@@ -1042,7 +1058,7 @@
           <a:p>
             <a:fld id="{AA309A6D-C09C-4548-B29A-6CF363A7E532}" type="datetimeFigureOut">
               <a:rPr lang="fr-FR" smtClean="0"/>
-              <a:t>14/04/2018</a:t>
+              <a:t>11/02/2019</a:t>
             </a:fld>
             <a:endParaRPr lang="fr-BE"/>
           </a:p>
@@ -1131,7 +1147,7 @@
           <a:lstStyle/>
           <a:p>
             <a:r>
-              <a:rPr lang="fr-FR" smtClean="0"/>
+              <a:rPr lang="fr-FR"/>
               <a:t>Cliquez pour modifier le style du titre</a:t>
             </a:r>
             <a:endParaRPr lang="fr-BE"/>
@@ -1188,35 +1204,35 @@
           <a:p>
             <a:pPr lvl="0"/>
             <a:r>
-              <a:rPr lang="fr-FR" smtClean="0"/>
+              <a:rPr lang="fr-FR"/>
               <a:t>Cliquez pour modifier les styles du texte du masque</a:t>
             </a:r>
           </a:p>
           <a:p>
             <a:pPr lvl="1"/>
             <a:r>
-              <a:rPr lang="fr-FR" smtClean="0"/>
+              <a:rPr lang="fr-FR"/>
               <a:t>Deuxième niveau</a:t>
             </a:r>
           </a:p>
           <a:p>
             <a:pPr lvl="2"/>
             <a:r>
-              <a:rPr lang="fr-FR" smtClean="0"/>
+              <a:rPr lang="fr-FR"/>
               <a:t>Troisième niveau</a:t>
             </a:r>
           </a:p>
           <a:p>
             <a:pPr lvl="3"/>
             <a:r>
-              <a:rPr lang="fr-FR" smtClean="0"/>
+              <a:rPr lang="fr-FR"/>
               <a:t>Quatrième niveau</a:t>
             </a:r>
           </a:p>
           <a:p>
             <a:pPr lvl="4"/>
             <a:r>
-              <a:rPr lang="fr-FR" smtClean="0"/>
+              <a:rPr lang="fr-FR"/>
               <a:t>Cinquième niveau</a:t>
             </a:r>
             <a:endParaRPr lang="fr-BE"/>
@@ -1273,35 +1289,35 @@
           <a:p>
             <a:pPr lvl="0"/>
             <a:r>
-              <a:rPr lang="fr-FR" smtClean="0"/>
+              <a:rPr lang="fr-FR"/>
               <a:t>Cliquez pour modifier les styles du texte du masque</a:t>
             </a:r>
           </a:p>
           <a:p>
             <a:pPr lvl="1"/>
             <a:r>
-              <a:rPr lang="fr-FR" smtClean="0"/>
+              <a:rPr lang="fr-FR"/>
               <a:t>Deuxième niveau</a:t>
             </a:r>
           </a:p>
           <a:p>
             <a:pPr lvl="2"/>
             <a:r>
-              <a:rPr lang="fr-FR" smtClean="0"/>
+              <a:rPr lang="fr-FR"/>
               <a:t>Troisième niveau</a:t>
             </a:r>
           </a:p>
           <a:p>
             <a:pPr lvl="3"/>
             <a:r>
-              <a:rPr lang="fr-FR" smtClean="0"/>
+              <a:rPr lang="fr-FR"/>
               <a:t>Quatrième niveau</a:t>
             </a:r>
           </a:p>
           <a:p>
             <a:pPr lvl="4"/>
             <a:r>
-              <a:rPr lang="fr-FR" smtClean="0"/>
+              <a:rPr lang="fr-FR"/>
               <a:t>Cinquième niveau</a:t>
             </a:r>
             <a:endParaRPr lang="fr-BE"/>
@@ -1325,7 +1341,7 @@
           <a:p>
             <a:fld id="{AA309A6D-C09C-4548-B29A-6CF363A7E532}" type="datetimeFigureOut">
               <a:rPr lang="fr-FR" smtClean="0"/>
-              <a:t>14/04/2018</a:t>
+              <a:t>11/02/2019</a:t>
             </a:fld>
             <a:endParaRPr lang="fr-BE"/>
           </a:p>
@@ -1418,7 +1434,7 @@
           </a:lstStyle>
           <a:p>
             <a:r>
-              <a:rPr lang="fr-FR" smtClean="0"/>
+              <a:rPr lang="fr-FR"/>
               <a:t>Cliquez pour modifier le style du titre</a:t>
             </a:r>
             <a:endParaRPr lang="fr-BE"/>
@@ -1484,7 +1500,7 @@
           <a:p>
             <a:pPr lvl="0"/>
             <a:r>
-              <a:rPr lang="fr-FR" smtClean="0"/>
+              <a:rPr lang="fr-FR"/>
               <a:t>Cliquez pour modifier les styles du texte du masque</a:t>
             </a:r>
           </a:p>
@@ -1540,35 +1556,35 @@
           <a:p>
             <a:pPr lvl="0"/>
             <a:r>
-              <a:rPr lang="fr-FR" smtClean="0"/>
+              <a:rPr lang="fr-FR"/>
               <a:t>Cliquez pour modifier les styles du texte du masque</a:t>
             </a:r>
           </a:p>
           <a:p>
             <a:pPr lvl="1"/>
             <a:r>
-              <a:rPr lang="fr-FR" smtClean="0"/>
+              <a:rPr lang="fr-FR"/>
               <a:t>Deuxième niveau</a:t>
             </a:r>
           </a:p>
           <a:p>
             <a:pPr lvl="2"/>
             <a:r>
-              <a:rPr lang="fr-FR" smtClean="0"/>
+              <a:rPr lang="fr-FR"/>
               <a:t>Troisième niveau</a:t>
             </a:r>
           </a:p>
           <a:p>
             <a:pPr lvl="3"/>
             <a:r>
-              <a:rPr lang="fr-FR" smtClean="0"/>
+              <a:rPr lang="fr-FR"/>
               <a:t>Quatrième niveau</a:t>
             </a:r>
           </a:p>
           <a:p>
             <a:pPr lvl="4"/>
             <a:r>
-              <a:rPr lang="fr-FR" smtClean="0"/>
+              <a:rPr lang="fr-FR"/>
               <a:t>Cinquième niveau</a:t>
             </a:r>
             <a:endParaRPr lang="fr-BE"/>
@@ -1634,7 +1650,7 @@
           <a:p>
             <a:pPr lvl="0"/>
             <a:r>
-              <a:rPr lang="fr-FR" smtClean="0"/>
+              <a:rPr lang="fr-FR"/>
               <a:t>Cliquez pour modifier les styles du texte du masque</a:t>
             </a:r>
           </a:p>
@@ -1690,35 +1706,35 @@
           <a:p>
             <a:pPr lvl="0"/>
             <a:r>
-              <a:rPr lang="fr-FR" smtClean="0"/>
+              <a:rPr lang="fr-FR"/>
               <a:t>Cliquez pour modifier les styles du texte du masque</a:t>
             </a:r>
           </a:p>
           <a:p>
             <a:pPr lvl="1"/>
             <a:r>
-              <a:rPr lang="fr-FR" smtClean="0"/>
+              <a:rPr lang="fr-FR"/>
               <a:t>Deuxième niveau</a:t>
             </a:r>
           </a:p>
           <a:p>
             <a:pPr lvl="2"/>
             <a:r>
-              <a:rPr lang="fr-FR" smtClean="0"/>
+              <a:rPr lang="fr-FR"/>
               <a:t>Troisième niveau</a:t>
             </a:r>
           </a:p>
           <a:p>
             <a:pPr lvl="3"/>
             <a:r>
-              <a:rPr lang="fr-FR" smtClean="0"/>
+              <a:rPr lang="fr-FR"/>
               <a:t>Quatrième niveau</a:t>
             </a:r>
           </a:p>
           <a:p>
             <a:pPr lvl="4"/>
             <a:r>
-              <a:rPr lang="fr-FR" smtClean="0"/>
+              <a:rPr lang="fr-FR"/>
               <a:t>Cinquième niveau</a:t>
             </a:r>
             <a:endParaRPr lang="fr-BE"/>
@@ -1742,7 +1758,7 @@
           <a:p>
             <a:fld id="{AA309A6D-C09C-4548-B29A-6CF363A7E532}" type="datetimeFigureOut">
               <a:rPr lang="fr-FR" smtClean="0"/>
-              <a:t>14/04/2018</a:t>
+              <a:t>11/02/2019</a:t>
             </a:fld>
             <a:endParaRPr lang="fr-BE"/>
           </a:p>
@@ -1831,7 +1847,7 @@
           <a:lstStyle/>
           <a:p>
             <a:r>
-              <a:rPr lang="fr-FR" smtClean="0"/>
+              <a:rPr lang="fr-FR"/>
               <a:t>Cliquez pour modifier le style du titre</a:t>
             </a:r>
             <a:endParaRPr lang="fr-BE"/>
@@ -1855,7 +1871,7 @@
           <a:p>
             <a:fld id="{AA309A6D-C09C-4548-B29A-6CF363A7E532}" type="datetimeFigureOut">
               <a:rPr lang="fr-FR" smtClean="0"/>
-              <a:t>14/04/2018</a:t>
+              <a:t>11/02/2019</a:t>
             </a:fld>
             <a:endParaRPr lang="fr-BE"/>
           </a:p>
@@ -1945,7 +1961,7 @@
           <a:p>
             <a:fld id="{AA309A6D-C09C-4548-B29A-6CF363A7E532}" type="datetimeFigureOut">
               <a:rPr lang="fr-FR" smtClean="0"/>
-              <a:t>14/04/2018</a:t>
+              <a:t>11/02/2019</a:t>
             </a:fld>
             <a:endParaRPr lang="fr-BE"/>
           </a:p>
@@ -2043,7 +2059,7 @@
           </a:lstStyle>
           <a:p>
             <a:r>
-              <a:rPr lang="fr-FR" smtClean="0"/>
+              <a:rPr lang="fr-FR"/>
               <a:t>Cliquez pour modifier le style du titre</a:t>
             </a:r>
             <a:endParaRPr lang="fr-BE"/>
@@ -2100,35 +2116,35 @@
           <a:p>
             <a:pPr lvl="0"/>
             <a:r>
-              <a:rPr lang="fr-FR" smtClean="0"/>
+              <a:rPr lang="fr-FR"/>
               <a:t>Cliquez pour modifier les styles du texte du masque</a:t>
             </a:r>
           </a:p>
           <a:p>
             <a:pPr lvl="1"/>
             <a:r>
-              <a:rPr lang="fr-FR" smtClean="0"/>
+              <a:rPr lang="fr-FR"/>
               <a:t>Deuxième niveau</a:t>
             </a:r>
           </a:p>
           <a:p>
             <a:pPr lvl="2"/>
             <a:r>
-              <a:rPr lang="fr-FR" smtClean="0"/>
+              <a:rPr lang="fr-FR"/>
               <a:t>Troisième niveau</a:t>
             </a:r>
           </a:p>
           <a:p>
             <a:pPr lvl="3"/>
             <a:r>
-              <a:rPr lang="fr-FR" smtClean="0"/>
+              <a:rPr lang="fr-FR"/>
               <a:t>Quatrième niveau</a:t>
             </a:r>
           </a:p>
           <a:p>
             <a:pPr lvl="4"/>
             <a:r>
-              <a:rPr lang="fr-FR" smtClean="0"/>
+              <a:rPr lang="fr-FR"/>
               <a:t>Cinquième niveau</a:t>
             </a:r>
             <a:endParaRPr lang="fr-BE"/>
@@ -2194,7 +2210,7 @@
           <a:p>
             <a:pPr lvl="0"/>
             <a:r>
-              <a:rPr lang="fr-FR" smtClean="0"/>
+              <a:rPr lang="fr-FR"/>
               <a:t>Cliquez pour modifier les styles du texte du masque</a:t>
             </a:r>
           </a:p>
@@ -2217,7 +2233,7 @@
           <a:p>
             <a:fld id="{AA309A6D-C09C-4548-B29A-6CF363A7E532}" type="datetimeFigureOut">
               <a:rPr lang="fr-FR" smtClean="0"/>
-              <a:t>14/04/2018</a:t>
+              <a:t>11/02/2019</a:t>
             </a:fld>
             <a:endParaRPr lang="fr-BE"/>
           </a:p>
@@ -2315,7 +2331,7 @@
           </a:lstStyle>
           <a:p>
             <a:r>
-              <a:rPr lang="fr-FR" smtClean="0"/>
+              <a:rPr lang="fr-FR"/>
               <a:t>Cliquez pour modifier le style du titre</a:t>
             </a:r>
             <a:endParaRPr lang="fr-BE"/>
@@ -2442,7 +2458,7 @@
           <a:p>
             <a:pPr lvl="0"/>
             <a:r>
-              <a:rPr lang="fr-FR" smtClean="0"/>
+              <a:rPr lang="fr-FR"/>
               <a:t>Cliquez pour modifier les styles du texte du masque</a:t>
             </a:r>
           </a:p>
@@ -2465,7 +2481,7 @@
           <a:p>
             <a:fld id="{AA309A6D-C09C-4548-B29A-6CF363A7E532}" type="datetimeFigureOut">
               <a:rPr lang="fr-FR" smtClean="0"/>
-              <a:t>14/04/2018</a:t>
+              <a:t>11/02/2019</a:t>
             </a:fld>
             <a:endParaRPr lang="fr-BE"/>
           </a:p>
@@ -2569,7 +2585,7 @@
           <a:lstStyle/>
           <a:p>
             <a:r>
-              <a:rPr lang="fr-FR" smtClean="0"/>
+              <a:rPr lang="fr-FR"/>
               <a:t>Cliquez pour modifier le style du titre</a:t>
             </a:r>
             <a:endParaRPr lang="fr-BE"/>
@@ -2603,35 +2619,35 @@
           <a:p>
             <a:pPr lvl="0"/>
             <a:r>
-              <a:rPr lang="fr-FR" smtClean="0"/>
+              <a:rPr lang="fr-FR"/>
               <a:t>Cliquez pour modifier les styles du texte du masque</a:t>
             </a:r>
           </a:p>
           <a:p>
             <a:pPr lvl="1"/>
             <a:r>
-              <a:rPr lang="fr-FR" smtClean="0"/>
+              <a:rPr lang="fr-FR"/>
               <a:t>Deuxième niveau</a:t>
             </a:r>
           </a:p>
           <a:p>
             <a:pPr lvl="2"/>
             <a:r>
-              <a:rPr lang="fr-FR" smtClean="0"/>
+              <a:rPr lang="fr-FR"/>
               <a:t>Troisième niveau</a:t>
             </a:r>
           </a:p>
           <a:p>
             <a:pPr lvl="3"/>
             <a:r>
-              <a:rPr lang="fr-FR" smtClean="0"/>
+              <a:rPr lang="fr-FR"/>
               <a:t>Quatrième niveau</a:t>
             </a:r>
           </a:p>
           <a:p>
             <a:pPr lvl="4"/>
             <a:r>
-              <a:rPr lang="fr-FR" smtClean="0"/>
+              <a:rPr lang="fr-FR"/>
               <a:t>Cinquième niveau</a:t>
             </a:r>
             <a:endParaRPr lang="fr-BE"/>
@@ -2673,7 +2689,7 @@
           <a:p>
             <a:fld id="{AA309A6D-C09C-4548-B29A-6CF363A7E532}" type="datetimeFigureOut">
               <a:rPr lang="fr-FR" smtClean="0"/>
-              <a:t>14/04/2018</a:t>
+              <a:t>11/02/2019</a:t>
             </a:fld>
             <a:endParaRPr lang="fr-BE"/>
           </a:p>
@@ -4192,7 +4208,7 @@
                           <m:chr m:val="⃗"/>
                           <m:ctrlPr>
                             <a:rPr lang="fr-FR" sz="1000" b="0" i="1" smtClean="0">
-                              <a:latin typeface="Cambria Math"/>
+                              <a:latin typeface="Cambria Math" panose="02040503050406030204" pitchFamily="18" charset="0"/>
                             </a:rPr>
                           </m:ctrlPr>
                         </m:accPr>
@@ -4201,7 +4217,7 @@
                             <m:sSubPr>
                               <m:ctrlPr>
                                 <a:rPr lang="fr-FR" sz="1000" i="1">
-                                  <a:latin typeface="Cambria Math"/>
+                                  <a:latin typeface="Cambria Math" panose="02040503050406030204" pitchFamily="18" charset="0"/>
                                 </a:rPr>
                               </m:ctrlPr>
                             </m:sSubPr>
@@ -4361,7 +4377,7 @@
                           <m:chr m:val="⃗"/>
                           <m:ctrlPr>
                             <a:rPr lang="fr-FR" sz="1000" b="0" i="1" smtClean="0">
-                              <a:latin typeface="Cambria Math"/>
+                              <a:latin typeface="Cambria Math" panose="02040503050406030204" pitchFamily="18" charset="0"/>
                             </a:rPr>
                           </m:ctrlPr>
                         </m:accPr>
@@ -4370,7 +4386,7 @@
                             <m:sSubPr>
                               <m:ctrlPr>
                                 <a:rPr lang="fr-FR" sz="1000" i="1">
-                                  <a:latin typeface="Cambria Math"/>
+                                  <a:latin typeface="Cambria Math" panose="02040503050406030204" pitchFamily="18" charset="0"/>
                                 </a:rPr>
                               </m:ctrlPr>
                             </m:sSubPr>
@@ -4476,7 +4492,7 @@
                           <m:chr m:val="⃗"/>
                           <m:ctrlPr>
                             <a:rPr lang="fr-FR" sz="1000" b="0" i="1" smtClean="0">
-                              <a:latin typeface="Cambria Math"/>
+                              <a:latin typeface="Cambria Math" panose="02040503050406030204" pitchFamily="18" charset="0"/>
                             </a:rPr>
                           </m:ctrlPr>
                         </m:accPr>
@@ -4485,7 +4501,7 @@
                             <m:sSubPr>
                               <m:ctrlPr>
                                 <a:rPr lang="fr-FR" sz="1000" i="1">
-                                  <a:latin typeface="Cambria Math"/>
+                                  <a:latin typeface="Cambria Math" panose="02040503050406030204" pitchFamily="18" charset="0"/>
                                 </a:rPr>
                               </m:ctrlPr>
                             </m:sSubPr>
@@ -4519,7 +4535,7 @@
                           <m:chr m:val="⃗"/>
                           <m:ctrlPr>
                             <a:rPr lang="fr-FR" sz="1000" i="1">
-                              <a:latin typeface="Cambria Math"/>
+                              <a:latin typeface="Cambria Math" panose="02040503050406030204" pitchFamily="18" charset="0"/>
                             </a:rPr>
                           </m:ctrlPr>
                         </m:accPr>
@@ -4528,7 +4544,7 @@
                             <m:sSubPr>
                               <m:ctrlPr>
                                 <a:rPr lang="fr-FR" sz="1000" b="0" i="1" smtClean="0">
-                                  <a:latin typeface="Cambria Math"/>
+                                  <a:latin typeface="Cambria Math" panose="02040503050406030204" pitchFamily="18" charset="0"/>
                                 </a:rPr>
                               </m:ctrlPr>
                             </m:sSubPr>
@@ -4640,7 +4656,7 @@
                           <m:chr m:val="⃗"/>
                           <m:ctrlPr>
                             <a:rPr lang="fr-FR" sz="1000" b="0" i="1" smtClean="0">
-                              <a:latin typeface="Cambria Math"/>
+                              <a:latin typeface="Cambria Math" panose="02040503050406030204" pitchFamily="18" charset="0"/>
                             </a:rPr>
                           </m:ctrlPr>
                         </m:accPr>
@@ -4649,7 +4665,7 @@
                             <m:sSubPr>
                               <m:ctrlPr>
                                 <a:rPr lang="fr-FR" sz="1000" i="1">
-                                  <a:latin typeface="Cambria Math"/>
+                                  <a:latin typeface="Cambria Math" panose="02040503050406030204" pitchFamily="18" charset="0"/>
                                 </a:rPr>
                               </m:ctrlPr>
                             </m:sSubPr>
@@ -4761,7 +4777,7 @@
                           <m:chr m:val="⃗"/>
                           <m:ctrlPr>
                             <a:rPr lang="fr-FR" sz="1000" b="0" i="1" smtClean="0">
-                              <a:latin typeface="Cambria Math"/>
+                              <a:latin typeface="Cambria Math" panose="02040503050406030204" pitchFamily="18" charset="0"/>
                             </a:rPr>
                           </m:ctrlPr>
                         </m:accPr>
@@ -4770,7 +4786,7 @@
                             <m:sSubPr>
                               <m:ctrlPr>
                                 <a:rPr lang="fr-FR" sz="1000" i="1">
-                                  <a:latin typeface="Cambria Math"/>
+                                  <a:latin typeface="Cambria Math" panose="02040503050406030204" pitchFamily="18" charset="0"/>
                                 </a:rPr>
                               </m:ctrlPr>
                             </m:sSubPr>
@@ -4876,7 +4892,7 @@
                           <m:chr m:val="⃗"/>
                           <m:ctrlPr>
                             <a:rPr lang="fr-FR" sz="1000" b="0" i="1" smtClean="0">
-                              <a:latin typeface="Cambria Math"/>
+                              <a:latin typeface="Cambria Math" panose="02040503050406030204" pitchFamily="18" charset="0"/>
                             </a:rPr>
                           </m:ctrlPr>
                         </m:accPr>
@@ -4885,7 +4901,7 @@
                             <m:sSubPr>
                               <m:ctrlPr>
                                 <a:rPr lang="fr-FR" sz="1000" i="1">
-                                  <a:latin typeface="Cambria Math"/>
+                                  <a:latin typeface="Cambria Math" panose="02040503050406030204" pitchFamily="18" charset="0"/>
                                 </a:rPr>
                               </m:ctrlPr>
                             </m:sSubPr>
@@ -4991,7 +5007,7 @@
                           <m:chr m:val="⃗"/>
                           <m:ctrlPr>
                             <a:rPr lang="fr-FR" sz="1000" b="0" i="1" smtClean="0">
-                              <a:latin typeface="Cambria Math"/>
+                              <a:latin typeface="Cambria Math" panose="02040503050406030204" pitchFamily="18" charset="0"/>
                             </a:rPr>
                           </m:ctrlPr>
                         </m:accPr>
@@ -5000,7 +5016,7 @@
                             <m:sSubPr>
                               <m:ctrlPr>
                                 <a:rPr lang="fr-FR" sz="1000" i="1">
-                                  <a:latin typeface="Cambria Math"/>
+                                  <a:latin typeface="Cambria Math" panose="02040503050406030204" pitchFamily="18" charset="0"/>
                                 </a:rPr>
                               </m:ctrlPr>
                             </m:sSubPr>
@@ -5112,7 +5128,7 @@
                           <m:chr m:val="⃗"/>
                           <m:ctrlPr>
                             <a:rPr lang="fr-FR" sz="1000" b="0" i="1" smtClean="0">
-                              <a:latin typeface="Cambria Math"/>
+                              <a:latin typeface="Cambria Math" panose="02040503050406030204" pitchFamily="18" charset="0"/>
                             </a:rPr>
                           </m:ctrlPr>
                         </m:accPr>
@@ -5121,7 +5137,7 @@
                             <m:sSubPr>
                               <m:ctrlPr>
                                 <a:rPr lang="fr-FR" sz="1000" i="1">
-                                  <a:latin typeface="Cambria Math"/>
+                                  <a:latin typeface="Cambria Math" panose="02040503050406030204" pitchFamily="18" charset="0"/>
                                 </a:rPr>
                               </m:ctrlPr>
                             </m:sSubPr>
@@ -5227,7 +5243,7 @@
                           <m:chr m:val="⃗"/>
                           <m:ctrlPr>
                             <a:rPr lang="fr-FR" sz="1000" b="0" i="1" smtClean="0">
-                              <a:latin typeface="Cambria Math"/>
+                              <a:latin typeface="Cambria Math" panose="02040503050406030204" pitchFamily="18" charset="0"/>
                             </a:rPr>
                           </m:ctrlPr>
                         </m:accPr>
@@ -5236,7 +5252,7 @@
                             <m:sSubPr>
                               <m:ctrlPr>
                                 <a:rPr lang="fr-FR" sz="1000" i="1">
-                                  <a:latin typeface="Cambria Math"/>
+                                  <a:latin typeface="Cambria Math" panose="02040503050406030204" pitchFamily="18" charset="0"/>
                                 </a:rPr>
                               </m:ctrlPr>
                             </m:sSubPr>
@@ -5342,7 +5358,7 @@
                           <m:chr m:val="⃗"/>
                           <m:ctrlPr>
                             <a:rPr lang="fr-FR" sz="1000" b="0" i="1" smtClean="0">
-                              <a:latin typeface="Cambria Math"/>
+                              <a:latin typeface="Cambria Math" panose="02040503050406030204" pitchFamily="18" charset="0"/>
                             </a:rPr>
                           </m:ctrlPr>
                         </m:accPr>
@@ -5351,7 +5367,7 @@
                             <m:sSubPr>
                               <m:ctrlPr>
                                 <a:rPr lang="fr-FR" sz="1000" i="1">
-                                  <a:latin typeface="Cambria Math"/>
+                                  <a:latin typeface="Cambria Math" panose="02040503050406030204" pitchFamily="18" charset="0"/>
                                 </a:rPr>
                               </m:ctrlPr>
                             </m:sSubPr>
@@ -5456,7 +5472,7 @@
                         <m:sSubPr>
                           <m:ctrlPr>
                             <a:rPr lang="fr-FR" sz="1000" b="0" i="1" smtClean="0">
-                              <a:latin typeface="Cambria Math"/>
+                              <a:latin typeface="Cambria Math" panose="02040503050406030204" pitchFamily="18" charset="0"/>
                             </a:rPr>
                           </m:ctrlPr>
                         </m:sSubPr>
@@ -5559,7 +5575,7 @@
                         <m:sSubPr>
                           <m:ctrlPr>
                             <a:rPr lang="fr-FR" sz="1000" b="0" i="1" smtClean="0">
-                              <a:latin typeface="Cambria Math"/>
+                              <a:latin typeface="Cambria Math" panose="02040503050406030204" pitchFamily="18" charset="0"/>
                             </a:rPr>
                           </m:ctrlPr>
                         </m:sSubPr>
@@ -5662,7 +5678,7 @@
                         <m:sSubPr>
                           <m:ctrlPr>
                             <a:rPr lang="fr-FR" sz="1000" b="0" i="1" smtClean="0">
-                              <a:latin typeface="Cambria Math"/>
+                              <a:latin typeface="Cambria Math" panose="02040503050406030204" pitchFamily="18" charset="0"/>
                             </a:rPr>
                           </m:ctrlPr>
                         </m:sSubPr>
@@ -5812,7 +5828,7 @@
                         <m:sSubPr>
                           <m:ctrlPr>
                             <a:rPr lang="fr-FR" sz="1000" b="0" i="1" smtClean="0">
-                              <a:latin typeface="Cambria Math"/>
+                              <a:latin typeface="Cambria Math" panose="02040503050406030204" pitchFamily="18" charset="0"/>
                             </a:rPr>
                           </m:ctrlPr>
                         </m:sSubPr>
@@ -5916,7 +5932,7 @@
                           <m:chr m:val="⃗"/>
                           <m:ctrlPr>
                             <a:rPr lang="fr-FR" sz="1000" b="0" i="1" smtClean="0">
-                              <a:latin typeface="Cambria Math"/>
+                              <a:latin typeface="Cambria Math" panose="02040503050406030204" pitchFamily="18" charset="0"/>
                             </a:rPr>
                           </m:ctrlPr>
                         </m:accPr>
@@ -5925,7 +5941,7 @@
                             <m:sSubPr>
                               <m:ctrlPr>
                                 <a:rPr lang="fr-FR" sz="1000" i="1">
-                                  <a:latin typeface="Cambria Math"/>
+                                  <a:latin typeface="Cambria Math" panose="02040503050406030204" pitchFamily="18" charset="0"/>
                                 </a:rPr>
                               </m:ctrlPr>
                             </m:sSubPr>
@@ -6031,7 +6047,7 @@
                           <m:chr m:val="⃗"/>
                           <m:ctrlPr>
                             <a:rPr lang="fr-FR" sz="800" b="0" i="1" smtClean="0">
-                              <a:latin typeface="Cambria Math"/>
+                              <a:latin typeface="Cambria Math" panose="02040503050406030204" pitchFamily="18" charset="0"/>
                             </a:rPr>
                           </m:ctrlPr>
                         </m:accPr>
@@ -6040,7 +6056,7 @@
                             <m:sSubPr>
                               <m:ctrlPr>
                                 <a:rPr lang="fr-FR" sz="800" i="1">
-                                  <a:latin typeface="Cambria Math"/>
+                                  <a:latin typeface="Cambria Math" panose="02040503050406030204" pitchFamily="18" charset="0"/>
                                 </a:rPr>
                               </m:ctrlPr>
                             </m:sSubPr>
@@ -6074,7 +6090,7 @@
                           <m:chr m:val="⃗"/>
                           <m:ctrlPr>
                             <a:rPr lang="fr-FR" sz="800" i="1">
-                              <a:latin typeface="Cambria Math"/>
+                              <a:latin typeface="Cambria Math" panose="02040503050406030204" pitchFamily="18" charset="0"/>
                             </a:rPr>
                           </m:ctrlPr>
                         </m:accPr>
@@ -6083,7 +6099,7 @@
                             <m:sSubPr>
                               <m:ctrlPr>
                                 <a:rPr lang="fr-FR" sz="800" i="1">
-                                  <a:latin typeface="Cambria Math"/>
+                                  <a:latin typeface="Cambria Math" panose="02040503050406030204" pitchFamily="18" charset="0"/>
                                 </a:rPr>
                               </m:ctrlPr>
                             </m:sSubPr>
@@ -6117,7 +6133,7 @@
                           <m:chr m:val="⃗"/>
                           <m:ctrlPr>
                             <a:rPr lang="fr-FR" sz="800" i="1">
-                              <a:latin typeface="Cambria Math"/>
+                              <a:latin typeface="Cambria Math" panose="02040503050406030204" pitchFamily="18" charset="0"/>
                             </a:rPr>
                           </m:ctrlPr>
                         </m:accPr>
@@ -6126,7 +6142,7 @@
                             <m:sSubPr>
                               <m:ctrlPr>
                                 <a:rPr lang="fr-FR" sz="800" i="1">
-                                  <a:latin typeface="Cambria Math"/>
+                                  <a:latin typeface="Cambria Math" panose="02040503050406030204" pitchFamily="18" charset="0"/>
                                 </a:rPr>
                               </m:ctrlPr>
                             </m:sSubPr>
@@ -6231,7 +6247,7 @@
                         <m:sSupPr>
                           <m:ctrlPr>
                             <a:rPr lang="fr-FR" sz="1000" b="0" i="1" smtClean="0">
-                              <a:latin typeface="Cambria Math"/>
+                              <a:latin typeface="Cambria Math" panose="02040503050406030204" pitchFamily="18" charset="0"/>
                             </a:rPr>
                           </m:ctrlPr>
                         </m:sSupPr>
@@ -6241,7 +6257,7 @@
                               <m:chr m:val="⃗"/>
                               <m:ctrlPr>
                                 <a:rPr lang="fr-FR" sz="1000" b="0" i="1" smtClean="0">
-                                  <a:latin typeface="Cambria Math"/>
+                                  <a:latin typeface="Cambria Math" panose="02040503050406030204" pitchFamily="18" charset="0"/>
                                 </a:rPr>
                               </m:ctrlPr>
                             </m:accPr>
@@ -6250,7 +6266,7 @@
                                 <m:sSubPr>
                                   <m:ctrlPr>
                                     <a:rPr lang="fr-FR" sz="1000" i="1">
-                                      <a:latin typeface="Cambria Math"/>
+                                      <a:latin typeface="Cambria Math" panose="02040503050406030204" pitchFamily="18" charset="0"/>
                                     </a:rPr>
                                   </m:ctrlPr>
                                 </m:sSubPr>
@@ -6294,7 +6310,7 @@
                           <m:chr m:val="⃗"/>
                           <m:ctrlPr>
                             <a:rPr lang="fr-FR" sz="1000" i="1">
-                              <a:latin typeface="Cambria Math"/>
+                              <a:latin typeface="Cambria Math" panose="02040503050406030204" pitchFamily="18" charset="0"/>
                             </a:rPr>
                           </m:ctrlPr>
                         </m:accPr>
@@ -6303,7 +6319,7 @@
                             <m:sSubPr>
                               <m:ctrlPr>
                                 <a:rPr lang="fr-FR" sz="1000" i="1">
-                                  <a:latin typeface="Cambria Math"/>
+                                  <a:latin typeface="Cambria Math" panose="02040503050406030204" pitchFamily="18" charset="0"/>
                                 </a:rPr>
                               </m:ctrlPr>
                             </m:sSubPr>
@@ -6408,7 +6424,7 @@
                         <m:sSupPr>
                           <m:ctrlPr>
                             <a:rPr lang="fr-FR" sz="1000" b="0" i="1" smtClean="0">
-                              <a:latin typeface="Cambria Math"/>
+                              <a:latin typeface="Cambria Math" panose="02040503050406030204" pitchFamily="18" charset="0"/>
                             </a:rPr>
                           </m:ctrlPr>
                         </m:sSupPr>
@@ -6418,7 +6434,7 @@
                               <m:chr m:val="⃗"/>
                               <m:ctrlPr>
                                 <a:rPr lang="fr-FR" sz="1000" b="0" i="1" smtClean="0">
-                                  <a:latin typeface="Cambria Math"/>
+                                  <a:latin typeface="Cambria Math" panose="02040503050406030204" pitchFamily="18" charset="0"/>
                                 </a:rPr>
                               </m:ctrlPr>
                             </m:accPr>
@@ -6427,7 +6443,7 @@
                                 <m:sSubPr>
                                   <m:ctrlPr>
                                     <a:rPr lang="fr-FR" sz="1000" i="1">
-                                      <a:latin typeface="Cambria Math"/>
+                                      <a:latin typeface="Cambria Math" panose="02040503050406030204" pitchFamily="18" charset="0"/>
                                     </a:rPr>
                                   </m:ctrlPr>
                                 </m:sSubPr>
@@ -6471,7 +6487,7 @@
                           <m:chr m:val="⃗"/>
                           <m:ctrlPr>
                             <a:rPr lang="fr-FR" sz="1000" i="1">
-                              <a:latin typeface="Cambria Math"/>
+                              <a:latin typeface="Cambria Math" panose="02040503050406030204" pitchFamily="18" charset="0"/>
                             </a:rPr>
                           </m:ctrlPr>
                         </m:accPr>
@@ -6480,7 +6496,7 @@
                             <m:sSubPr>
                               <m:ctrlPr>
                                 <a:rPr lang="fr-FR" sz="1000" i="1">
-                                  <a:latin typeface="Cambria Math"/>
+                                  <a:latin typeface="Cambria Math" panose="02040503050406030204" pitchFamily="18" charset="0"/>
                                 </a:rPr>
                               </m:ctrlPr>
                             </m:sSubPr>
@@ -6586,7 +6602,7 @@
                           <m:chr m:val="⃗"/>
                           <m:ctrlPr>
                             <a:rPr lang="fr-FR" sz="1000" b="0" i="1" smtClean="0">
-                              <a:latin typeface="Cambria Math"/>
+                              <a:latin typeface="Cambria Math" panose="02040503050406030204" pitchFamily="18" charset="0"/>
                             </a:rPr>
                           </m:ctrlPr>
                         </m:accPr>
@@ -6595,7 +6611,7 @@
                             <m:sSubPr>
                               <m:ctrlPr>
                                 <a:rPr lang="fr-FR" sz="1000" i="1">
-                                  <a:latin typeface="Cambria Math"/>
+                                  <a:latin typeface="Cambria Math" panose="02040503050406030204" pitchFamily="18" charset="0"/>
                                 </a:rPr>
                               </m:ctrlPr>
                             </m:sSubPr>
@@ -6701,7 +6717,7 @@
                           <m:chr m:val="⃗"/>
                           <m:ctrlPr>
                             <a:rPr lang="fr-FR" sz="1000" b="0" i="1" smtClean="0">
-                              <a:latin typeface="Cambria Math"/>
+                              <a:latin typeface="Cambria Math" panose="02040503050406030204" pitchFamily="18" charset="0"/>
                             </a:rPr>
                           </m:ctrlPr>
                         </m:accPr>
@@ -6710,7 +6726,7 @@
                             <m:sSubPr>
                               <m:ctrlPr>
                                 <a:rPr lang="fr-FR" sz="1000" i="1">
-                                  <a:latin typeface="Cambria Math"/>
+                                  <a:latin typeface="Cambria Math" panose="02040503050406030204" pitchFamily="18" charset="0"/>
                                 </a:rPr>
                               </m:ctrlPr>
                             </m:sSubPr>
@@ -6816,7 +6832,7 @@
                           <m:chr m:val="⃗"/>
                           <m:ctrlPr>
                             <a:rPr lang="fr-FR" sz="1000" b="0" i="1" smtClean="0">
-                              <a:latin typeface="Cambria Math"/>
+                              <a:latin typeface="Cambria Math" panose="02040503050406030204" pitchFamily="18" charset="0"/>
                             </a:rPr>
                           </m:ctrlPr>
                         </m:accPr>
@@ -6825,7 +6841,7 @@
                             <m:sSubPr>
                               <m:ctrlPr>
                                 <a:rPr lang="fr-FR" sz="1000" i="1">
-                                  <a:latin typeface="Cambria Math"/>
+                                  <a:latin typeface="Cambria Math" panose="02040503050406030204" pitchFamily="18" charset="0"/>
                                 </a:rPr>
                               </m:ctrlPr>
                             </m:sSubPr>
@@ -6975,18 +6991,13 @@
           <a:p>
             <a:pPr algn="ctr"/>
             <a:r>
-              <a:rPr lang="fr-FR" sz="1000" dirty="0" smtClean="0">
+              <a:rPr lang="fr-FR" sz="1000" dirty="0">
                 <a:solidFill>
                   <a:sysClr val="windowText" lastClr="000000"/>
                 </a:solidFill>
               </a:rPr>
               <a:t>Domaine du client</a:t>
             </a:r>
-            <a:endParaRPr lang="fr-FR" sz="1000" dirty="0">
-              <a:solidFill>
-                <a:sysClr val="windowText" lastClr="000000"/>
-              </a:solidFill>
-            </a:endParaRPr>
           </a:p>
         </p:txBody>
       </p:sp>
@@ -7159,18 +7170,13 @@
           <a:p>
             <a:pPr algn="ctr"/>
             <a:r>
-              <a:rPr lang="fr-FR" sz="1000" dirty="0" smtClean="0">
+              <a:rPr lang="fr-FR" sz="1000" dirty="0">
                 <a:solidFill>
                   <a:sysClr val="windowText" lastClr="000000"/>
                 </a:solidFill>
               </a:rPr>
               <a:t>Domaine de la modélisation</a:t>
             </a:r>
-            <a:endParaRPr lang="fr-FR" sz="1000" dirty="0">
-              <a:solidFill>
-                <a:sysClr val="windowText" lastClr="000000"/>
-              </a:solidFill>
-            </a:endParaRPr>
           </a:p>
         </p:txBody>
       </p:sp>
@@ -7277,18 +7283,13 @@
           <a:p>
             <a:pPr algn="ctr"/>
             <a:r>
-              <a:rPr lang="fr-FR" sz="1000" b="1" dirty="0" smtClean="0">
+              <a:rPr lang="fr-FR" sz="1000" b="1" dirty="0">
                 <a:solidFill>
                   <a:sysClr val="windowText" lastClr="000000"/>
                 </a:solidFill>
               </a:rPr>
               <a:t>Couple moteur calculé</a:t>
             </a:r>
-            <a:endParaRPr lang="fr-FR" sz="1000" b="1" dirty="0">
-              <a:solidFill>
-                <a:sysClr val="windowText" lastClr="000000"/>
-              </a:solidFill>
-            </a:endParaRPr>
           </a:p>
         </p:txBody>
       </p:sp>
@@ -7416,18 +7417,13 @@
           <a:p>
             <a:pPr algn="ctr"/>
             <a:r>
-              <a:rPr lang="fr-FR" sz="1100" b="1" dirty="0" smtClean="0">
+              <a:rPr lang="fr-FR" sz="1100" b="1" dirty="0">
                 <a:solidFill>
                   <a:sysClr val="windowText" lastClr="000000"/>
                 </a:solidFill>
               </a:rPr>
               <a:t>Exigence validée ?</a:t>
             </a:r>
-            <a:endParaRPr lang="fr-FR" sz="1100" b="1" dirty="0">
-              <a:solidFill>
-                <a:sysClr val="windowText" lastClr="000000"/>
-              </a:solidFill>
-            </a:endParaRPr>
           </a:p>
         </p:txBody>
       </p:sp>
@@ -7493,18 +7489,13 @@
           <a:p>
             <a:pPr algn="ctr"/>
             <a:r>
-              <a:rPr lang="fr-FR" sz="1100" b="1" dirty="0" smtClean="0">
+              <a:rPr lang="fr-FR" sz="1100" b="1" dirty="0">
                 <a:solidFill>
                   <a:sysClr val="windowText" lastClr="000000"/>
                 </a:solidFill>
               </a:rPr>
               <a:t>Marge d’utilisation</a:t>
             </a:r>
-            <a:endParaRPr lang="fr-FR" sz="1100" b="1" dirty="0">
-              <a:solidFill>
-                <a:sysClr val="windowText" lastClr="000000"/>
-              </a:solidFill>
-            </a:endParaRPr>
           </a:p>
         </p:txBody>
       </p:sp>
@@ -7588,18 +7579,13 @@
           <a:p>
             <a:pPr algn="ctr"/>
             <a:r>
-              <a:rPr lang="fr-FR" sz="1000" dirty="0" smtClean="0">
+              <a:rPr lang="fr-FR" sz="1000" dirty="0">
                 <a:solidFill>
                   <a:sysClr val="windowText" lastClr="000000"/>
                 </a:solidFill>
               </a:rPr>
               <a:t>Domaine du client</a:t>
             </a:r>
-            <a:endParaRPr lang="fr-FR" sz="1000" dirty="0">
-              <a:solidFill>
-                <a:sysClr val="windowText" lastClr="000000"/>
-              </a:solidFill>
-            </a:endParaRPr>
           </a:p>
         </p:txBody>
       </p:sp>
@@ -7708,18 +7694,13 @@
           <a:p>
             <a:pPr algn="ctr"/>
             <a:r>
-              <a:rPr lang="fr-FR" sz="1000" dirty="0" smtClean="0">
+              <a:rPr lang="fr-FR" sz="1000" dirty="0">
                 <a:solidFill>
                   <a:sysClr val="windowText" lastClr="000000"/>
                 </a:solidFill>
               </a:rPr>
               <a:t>Domaine de la modélisation</a:t>
             </a:r>
-            <a:endParaRPr lang="fr-FR" sz="1000" dirty="0">
-              <a:solidFill>
-                <a:sysClr val="windowText" lastClr="000000"/>
-              </a:solidFill>
-            </a:endParaRPr>
           </a:p>
         </p:txBody>
       </p:sp>
@@ -7826,7 +7807,7 @@
           <a:p>
             <a:pPr algn="ctr"/>
             <a:r>
-              <a:rPr lang="fr-FR" sz="1000" b="1" dirty="0" smtClean="0">
+              <a:rPr lang="fr-FR" sz="1000" b="1" dirty="0">
                 <a:solidFill>
                   <a:sysClr val="windowText" lastClr="000000"/>
                 </a:solidFill>
@@ -7925,18 +7906,13 @@
           <a:p>
             <a:pPr algn="ctr"/>
             <a:r>
-              <a:rPr lang="fr-FR" sz="1000" dirty="0" smtClean="0">
+              <a:rPr lang="fr-FR" sz="1000" dirty="0">
                 <a:solidFill>
                   <a:sysClr val="windowText" lastClr="000000"/>
                 </a:solidFill>
               </a:rPr>
               <a:t>Domaine de l’expérimentation</a:t>
             </a:r>
-            <a:endParaRPr lang="fr-FR" sz="1000" dirty="0">
-              <a:solidFill>
-                <a:sysClr val="windowText" lastClr="000000"/>
-              </a:solidFill>
-            </a:endParaRPr>
           </a:p>
         </p:txBody>
       </p:sp>
@@ -8047,18 +8023,13 @@
           <a:p>
             <a:pPr algn="ctr"/>
             <a:r>
-              <a:rPr lang="fr-FR" sz="1000" b="1" dirty="0" smtClean="0">
+              <a:rPr lang="fr-FR" sz="1000" b="1" dirty="0">
                 <a:solidFill>
                   <a:sysClr val="windowText" lastClr="000000"/>
                 </a:solidFill>
               </a:rPr>
               <a:t>Calibration du poids de E.</a:t>
             </a:r>
-            <a:endParaRPr lang="fr-FR" sz="1000" b="1" dirty="0">
-              <a:solidFill>
-                <a:sysClr val="windowText" lastClr="000000"/>
-              </a:solidFill>
-            </a:endParaRPr>
           </a:p>
         </p:txBody>
       </p:sp>
@@ -8117,7 +8088,7 @@
               <a:p>
                 <a:pPr algn="ctr"/>
                 <a:r>
-                  <a:rPr lang="fr-FR" sz="900" dirty="0" smtClean="0">
+                  <a:rPr lang="fr-FR" sz="900" dirty="0">
                     <a:solidFill>
                       <a:sysClr val="windowText" lastClr="000000"/>
                     </a:solidFill>
@@ -8128,7 +8099,7 @@
               <a:p>
                 <a:pPr algn="ctr"/>
                 <a:r>
-                  <a:rPr lang="fr-FR" sz="1050" b="1" dirty="0" smtClean="0">
+                  <a:rPr lang="fr-FR" sz="1050" b="1" dirty="0">
                     <a:solidFill>
                       <a:sysClr val="windowText" lastClr="000000"/>
                     </a:solidFill>
@@ -8138,7 +8109,7 @@
               </a:p>
               <a:p>
                 <a:pPr algn="ctr"/>
-                <a:endParaRPr lang="fr-FR" sz="1050" b="1" dirty="0" smtClean="0">
+                <a:endParaRPr lang="fr-FR" sz="1050" b="1" dirty="0">
                   <a:solidFill>
                     <a:sysClr val="windowText" lastClr="000000"/>
                   </a:solidFill>
@@ -8147,7 +8118,7 @@
               <a:p>
                 <a:pPr algn="ctr"/>
                 <a:r>
-                  <a:rPr lang="fr-FR" sz="1050" b="1" dirty="0" smtClean="0">
+                  <a:rPr lang="fr-FR" sz="1050" b="1" dirty="0">
                     <a:solidFill>
                       <a:sysClr val="windowText" lastClr="000000"/>
                     </a:solidFill>
@@ -8174,7 +8145,7 @@
                             <a:solidFill>
                               <a:schemeClr val="tx1"/>
                             </a:solidFill>
-                            <a:latin typeface="Cambria Math"/>
+                            <a:latin typeface="Cambria Math" panose="02040503050406030204" pitchFamily="18" charset="0"/>
                           </a:rPr>
                         </m:ctrlPr>
                       </m:sSubPr>
@@ -8213,20 +8184,12 @@
                   </m:oMath>
                 </a14:m>
                 <a:r>
-                  <a:rPr lang="fr-FR" sz="1000" dirty="0" smtClean="0">
-                    <a:solidFill>
-                      <a:schemeClr val="tx1"/>
-                    </a:solidFill>
-                  </a:rPr>
-                  <a:t> </a:t>
-                </a:r>
-                <a:r>
                   <a:rPr lang="fr-FR" sz="1000" dirty="0">
                     <a:solidFill>
                       <a:schemeClr val="tx1"/>
                     </a:solidFill>
                   </a:rPr>
-                  <a:t>à la valeur de </a:t>
+                  <a:t> à la valeur de </a:t>
                 </a:r>
                 <a14:m>
                   <m:oMath xmlns:m="http://schemas.openxmlformats.org/officeDocument/2006/math">
@@ -8237,7 +8200,7 @@
                             <a:solidFill>
                               <a:schemeClr val="tx1"/>
                             </a:solidFill>
-                            <a:latin typeface="Cambria Math"/>
+                            <a:latin typeface="Cambria Math" panose="02040503050406030204" pitchFamily="18" charset="0"/>
                           </a:rPr>
                         </m:ctrlPr>
                       </m:sSubPr>
@@ -8276,28 +8239,12 @@
                   </m:oMath>
                 </a14:m>
                 <a:r>
-                  <a:rPr lang="fr-FR" sz="1000" dirty="0" smtClean="0">
-                    <a:solidFill>
-                      <a:schemeClr val="tx1"/>
-                    </a:solidFill>
-                  </a:rPr>
-                  <a:t>mesurée </a:t>
-                </a:r>
-                <a:r>
                   <a:rPr lang="fr-FR" sz="1000" dirty="0">
                     <a:solidFill>
                       <a:schemeClr val="tx1"/>
                     </a:solidFill>
                   </a:rPr>
-                  <a:t>sous  </a:t>
-                </a:r>
-                <a:r>
-                  <a:rPr lang="fr-FR" sz="1000" dirty="0" smtClean="0">
-                    <a:solidFill>
-                      <a:schemeClr val="tx1"/>
-                    </a:solidFill>
-                  </a:rPr>
-                  <a:t>« charge ». </a:t>
+                  <a:t>mesurée sous  « charge ». </a:t>
                 </a:r>
                 <a:endParaRPr lang="fr-FR" sz="1000" b="1" dirty="0">
                   <a:solidFill>
@@ -8437,18 +8384,13 @@
           <a:p>
             <a:pPr algn="ctr"/>
             <a:r>
-              <a:rPr lang="fr-FR" sz="1000" dirty="0" smtClean="0">
+              <a:rPr lang="fr-FR" sz="1000" dirty="0">
                 <a:solidFill>
                   <a:sysClr val="windowText" lastClr="000000"/>
                 </a:solidFill>
               </a:rPr>
               <a:t>Domaine du client</a:t>
             </a:r>
-            <a:endParaRPr lang="fr-FR" sz="1000" dirty="0">
-              <a:solidFill>
-                <a:sysClr val="windowText" lastClr="000000"/>
-              </a:solidFill>
-            </a:endParaRPr>
           </a:p>
         </p:txBody>
       </p:sp>
@@ -8557,18 +8499,13 @@
           <a:p>
             <a:pPr algn="ctr"/>
             <a:r>
-              <a:rPr lang="fr-FR" sz="1000" dirty="0" smtClean="0">
+              <a:rPr lang="fr-FR" sz="1000" dirty="0">
                 <a:solidFill>
                   <a:sysClr val="windowText" lastClr="000000"/>
                 </a:solidFill>
               </a:rPr>
               <a:t>Domaine de la modélisation</a:t>
             </a:r>
-            <a:endParaRPr lang="fr-FR" sz="1000" dirty="0">
-              <a:solidFill>
-                <a:sysClr val="windowText" lastClr="000000"/>
-              </a:solidFill>
-            </a:endParaRPr>
           </a:p>
         </p:txBody>
       </p:sp>
@@ -8675,7 +8612,7 @@
           <a:p>
             <a:pPr algn="ctr"/>
             <a:r>
-              <a:rPr lang="fr-FR" sz="1000" b="1" dirty="0" smtClean="0">
+              <a:rPr lang="fr-FR" sz="1000" b="1" dirty="0">
                 <a:solidFill>
                   <a:sysClr val="windowText" lastClr="000000"/>
                 </a:solidFill>
@@ -8774,18 +8711,13 @@
           <a:p>
             <a:pPr algn="ctr"/>
             <a:r>
-              <a:rPr lang="fr-FR" sz="1000" dirty="0" smtClean="0">
+              <a:rPr lang="fr-FR" sz="1000" dirty="0">
                 <a:solidFill>
                   <a:sysClr val="windowText" lastClr="000000"/>
                 </a:solidFill>
               </a:rPr>
               <a:t>Domaine de l’expérimentation</a:t>
             </a:r>
-            <a:endParaRPr lang="fr-FR" sz="1000" dirty="0">
-              <a:solidFill>
-                <a:sysClr val="windowText" lastClr="000000"/>
-              </a:solidFill>
-            </a:endParaRPr>
           </a:p>
         </p:txBody>
       </p:sp>
@@ -8896,18 +8828,13 @@
           <a:p>
             <a:pPr algn="ctr"/>
             <a:r>
-              <a:rPr lang="fr-FR" sz="1000" b="1" dirty="0" smtClean="0">
+              <a:rPr lang="fr-FR" sz="1000" b="1" dirty="0">
                 <a:solidFill>
                   <a:sysClr val="windowText" lastClr="000000"/>
                 </a:solidFill>
               </a:rPr>
               <a:t>Calibration du poids de E.</a:t>
             </a:r>
-            <a:endParaRPr lang="fr-FR" sz="1000" b="1" dirty="0">
-              <a:solidFill>
-                <a:sysClr val="windowText" lastClr="000000"/>
-              </a:solidFill>
-            </a:endParaRPr>
           </a:p>
         </p:txBody>
       </p:sp>
@@ -8964,7 +8891,7 @@
           <a:p>
             <a:pPr algn="ctr"/>
             <a:r>
-              <a:rPr lang="fr-FR" sz="900" dirty="0" smtClean="0">
+              <a:rPr lang="fr-FR" sz="900" dirty="0">
                 <a:solidFill>
                   <a:sysClr val="windowText" lastClr="000000"/>
                 </a:solidFill>
@@ -8975,7 +8902,7 @@
           <a:p>
             <a:pPr algn="ctr"/>
             <a:r>
-              <a:rPr lang="fr-FR" sz="1050" b="1" dirty="0" smtClean="0">
+              <a:rPr lang="fr-FR" sz="1050" b="1" dirty="0">
                 <a:solidFill>
                   <a:sysClr val="windowText" lastClr="000000"/>
                 </a:solidFill>
@@ -8985,7 +8912,7 @@
           </a:p>
           <a:p>
             <a:pPr algn="ctr"/>
-            <a:endParaRPr lang="fr-FR" sz="1050" b="1" dirty="0" smtClean="0">
+            <a:endParaRPr lang="fr-FR" sz="1050" b="1" dirty="0">
               <a:solidFill>
                 <a:sysClr val="windowText" lastClr="000000"/>
               </a:solidFill>
@@ -8994,7 +8921,7 @@
           <a:p>
             <a:pPr algn="ctr"/>
             <a:r>
-              <a:rPr lang="fr-FR" sz="1050" b="1" dirty="0" smtClean="0">
+              <a:rPr lang="fr-FR" sz="1050" b="1" dirty="0">
                 <a:solidFill>
                   <a:sysClr val="windowText" lastClr="000000"/>
                 </a:solidFill>
@@ -9005,7 +8932,7 @@
           <a:p>
             <a:pPr algn="ctr"/>
             <a:r>
-              <a:rPr lang="fr-FR" sz="1000" smtClean="0">
+              <a:rPr lang="fr-FR" sz="1000">
                 <a:solidFill>
                   <a:schemeClr val="tx1"/>
                 </a:solidFill>
@@ -9100,18 +9027,13 @@
           <a:p>
             <a:pPr algn="ctr"/>
             <a:r>
-              <a:rPr lang="fr-FR" sz="1000" dirty="0" smtClean="0">
+              <a:rPr lang="fr-FR" sz="1000" dirty="0">
                 <a:solidFill>
                   <a:sysClr val="windowText" lastClr="000000"/>
                 </a:solidFill>
               </a:rPr>
               <a:t>Domaine du client</a:t>
             </a:r>
-            <a:endParaRPr lang="fr-FR" sz="1000" dirty="0">
-              <a:solidFill>
-                <a:sysClr val="windowText" lastClr="000000"/>
-              </a:solidFill>
-            </a:endParaRPr>
           </a:p>
         </p:txBody>
       </p:sp>
@@ -9284,18 +9206,13 @@
           <a:p>
             <a:pPr algn="ctr"/>
             <a:r>
-              <a:rPr lang="fr-FR" sz="1000" dirty="0" smtClean="0">
+              <a:rPr lang="fr-FR" sz="1000" dirty="0">
                 <a:solidFill>
                   <a:sysClr val="windowText" lastClr="000000"/>
                 </a:solidFill>
               </a:rPr>
               <a:t>Domaine de la modélisation</a:t>
             </a:r>
-            <a:endParaRPr lang="fr-FR" sz="1000" dirty="0">
-              <a:solidFill>
-                <a:sysClr val="windowText" lastClr="000000"/>
-              </a:solidFill>
-            </a:endParaRPr>
           </a:p>
         </p:txBody>
       </p:sp>
@@ -9404,7 +9321,7 @@
               <a:p>
                 <a:pPr algn="ctr"/>
                 <a:r>
-                  <a:rPr lang="fr-FR" sz="1000" b="1" dirty="0" smtClean="0">
+                  <a:rPr lang="fr-FR" sz="1000" b="1" dirty="0">
                     <a:solidFill>
                       <a:sysClr val="windowText" lastClr="000000"/>
                     </a:solidFill>
@@ -9414,7 +9331,7 @@
               </a:p>
               <a:p>
                 <a:pPr algn="ctr"/>
-                <a:endParaRPr lang="fr-FR" sz="1000" b="1" dirty="0" smtClean="0">
+                <a:endParaRPr lang="fr-FR" sz="1000" b="1" dirty="0">
                   <a:solidFill>
                     <a:sysClr val="windowText" lastClr="000000"/>
                   </a:solidFill>
@@ -9435,7 +9352,7 @@
                               <a:solidFill>
                                 <a:sysClr val="windowText" lastClr="000000"/>
                               </a:solidFill>
-                              <a:latin typeface="Cambria Math"/>
+                              <a:latin typeface="Cambria Math" panose="02040503050406030204" pitchFamily="18" charset="0"/>
                             </a:rPr>
                           </m:ctrlPr>
                         </m:fPr>
@@ -9687,7 +9604,7 @@
           <a:p>
             <a:pPr algn="ctr"/>
             <a:r>
-              <a:rPr lang="fr-FR" sz="1100" b="1" dirty="0" smtClean="0">
+              <a:rPr lang="fr-FR" sz="1100" b="1" dirty="0">
                 <a:solidFill>
                   <a:sysClr val="windowText" lastClr="000000"/>
                 </a:solidFill>
@@ -9706,18 +9623,13 @@
           <a:p>
             <a:pPr algn="ctr"/>
             <a:r>
-              <a:rPr lang="fr-FR" sz="1100" b="1" dirty="0" smtClean="0">
+              <a:rPr lang="fr-FR" sz="1100" b="1" dirty="0">
                 <a:solidFill>
                   <a:sysClr val="windowText" lastClr="000000"/>
                 </a:solidFill>
               </a:rPr>
               <a:t>OUI</a:t>
             </a:r>
-            <a:endParaRPr lang="fr-FR" sz="1100" b="1" dirty="0">
-              <a:solidFill>
-                <a:sysClr val="windowText" lastClr="000000"/>
-              </a:solidFill>
-            </a:endParaRPr>
           </a:p>
         </p:txBody>
       </p:sp>
@@ -9783,18 +9695,13 @@
           <a:p>
             <a:pPr algn="ctr"/>
             <a:r>
-              <a:rPr lang="fr-FR" sz="1100" b="1" dirty="0" smtClean="0">
+              <a:rPr lang="fr-FR" sz="1100" b="1" dirty="0">
                 <a:solidFill>
                   <a:sysClr val="windowText" lastClr="000000"/>
                 </a:solidFill>
               </a:rPr>
               <a:t>Marge d’utilisation</a:t>
             </a:r>
-            <a:endParaRPr lang="fr-FR" sz="1100" b="1" dirty="0">
-              <a:solidFill>
-                <a:sysClr val="windowText" lastClr="000000"/>
-              </a:solidFill>
-            </a:endParaRPr>
           </a:p>
         </p:txBody>
       </p:sp>
@@ -9849,7 +9756,7 @@
                     </m:oMath>
                   </m:oMathPara>
                 </a14:m>
-                <a:endParaRPr lang="fr-FR" sz="1200" b="1" dirty="0" smtClean="0">
+                <a:endParaRPr lang="fr-FR" sz="1200" b="1" dirty="0">
                   <a:solidFill>
                     <a:sysClr val="windowText" lastClr="000000"/>
                   </a:solidFill>
@@ -9858,18 +9765,13 @@
               <a:p>
                 <a:pPr algn="ctr"/>
                 <a:r>
-                  <a:rPr lang="fr-FR" sz="1200" b="1" dirty="0" smtClean="0">
+                  <a:rPr lang="fr-FR" sz="1200" b="1" dirty="0">
                     <a:solidFill>
                       <a:sysClr val="windowText" lastClr="000000"/>
                     </a:solidFill>
                   </a:rPr>
                   <a:t>Le couple étant calculé dans une configuration particulière, un couple supérieur peut être nécessaire.</a:t>
                 </a:r>
-                <a:endParaRPr lang="fr-FR" sz="1200" b="1" dirty="0">
-                  <a:solidFill>
-                    <a:sysClr val="windowText" lastClr="000000"/>
-                  </a:solidFill>
-                </a:endParaRPr>
               </a:p>
             </p:txBody>
           </p:sp>
@@ -9991,18 +9893,13 @@
           <a:p>
             <a:pPr algn="ctr"/>
             <a:r>
-              <a:rPr lang="fr-FR" sz="1400" b="1" dirty="0" smtClean="0">
+              <a:rPr lang="fr-FR" sz="1400" b="1" dirty="0">
                 <a:solidFill>
                   <a:schemeClr val="accent4"/>
                 </a:solidFill>
               </a:rPr>
               <a:t>1</a:t>
             </a:r>
-            <a:endParaRPr lang="fr-FR" sz="1400" b="1" dirty="0">
-              <a:solidFill>
-                <a:schemeClr val="accent4"/>
-              </a:solidFill>
-            </a:endParaRPr>
           </a:p>
         </p:txBody>
       </p:sp>
@@ -10112,18 +10009,13 @@
           <a:p>
             <a:pPr algn="ctr"/>
             <a:r>
-              <a:rPr lang="fr-FR" sz="1400" b="1" dirty="0" smtClean="0">
+              <a:rPr lang="fr-FR" sz="1400" b="1" dirty="0">
                 <a:solidFill>
                   <a:schemeClr val="accent3"/>
                 </a:solidFill>
               </a:rPr>
               <a:t>3</a:t>
             </a:r>
-            <a:endParaRPr lang="fr-FR" sz="1400" b="1" dirty="0">
-              <a:solidFill>
-                <a:schemeClr val="accent3"/>
-              </a:solidFill>
-            </a:endParaRPr>
           </a:p>
         </p:txBody>
       </p:sp>
@@ -10174,18 +10066,13 @@
           <a:p>
             <a:pPr algn="ctr"/>
             <a:r>
-              <a:rPr lang="fr-FR" sz="1400" b="1" dirty="0" smtClean="0">
+              <a:rPr lang="fr-FR" sz="1400" b="1" dirty="0">
                 <a:solidFill>
                   <a:schemeClr val="tx1"/>
                 </a:solidFill>
               </a:rPr>
               <a:t>4</a:t>
             </a:r>
-            <a:endParaRPr lang="fr-FR" sz="1400" b="1" dirty="0">
-              <a:solidFill>
-                <a:schemeClr val="tx1"/>
-              </a:solidFill>
-            </a:endParaRPr>
           </a:p>
         </p:txBody>
       </p:sp>
@@ -10239,7 +10126,7 @@
           <a:p>
             <a:pPr algn="ctr"/>
             <a:r>
-              <a:rPr lang="fr-FR" sz="1400" b="1" dirty="0" smtClean="0">
+              <a:rPr lang="fr-FR" sz="1400" b="1" dirty="0">
                 <a:solidFill>
                   <a:schemeClr val="accent6">
                     <a:lumMod val="50000"/>
@@ -10248,13 +10135,6 @@
               </a:rPr>
               <a:t>0</a:t>
             </a:r>
-            <a:endParaRPr lang="fr-FR" sz="1400" b="1" dirty="0">
-              <a:solidFill>
-                <a:schemeClr val="accent6">
-                  <a:lumMod val="50000"/>
-                </a:schemeClr>
-              </a:solidFill>
-            </a:endParaRPr>
           </a:p>
         </p:txBody>
       </p:sp>
@@ -11067,7 +10947,7 @@
               <a:lstStyle/>
               <a:p>
                 <a:r>
-                  <a:rPr lang="fr-FR" sz="1100" b="0" dirty="0" smtClean="0"/>
+                  <a:rPr lang="fr-FR" sz="1100" b="0" dirty="0"/>
                   <a:t>Pivot </a:t>
                 </a:r>
                 <a14:m>
@@ -11076,7 +10956,7 @@
                       <m:dPr>
                         <m:ctrlPr>
                           <a:rPr lang="fr-FR" sz="1100" b="0" i="1" smtClean="0">
-                            <a:latin typeface="Cambria Math"/>
+                            <a:latin typeface="Cambria Math" panose="02040503050406030204" pitchFamily="18" charset="0"/>
                           </a:rPr>
                         </m:ctrlPr>
                       </m:dPr>
@@ -11098,7 +10978,7 @@
                             <m:chr m:val="⃗"/>
                             <m:ctrlPr>
                               <a:rPr lang="fr-FR" sz="1100" b="0" i="1" smtClean="0">
-                                <a:latin typeface="Cambria Math"/>
+                                <a:latin typeface="Cambria Math" panose="02040503050406030204" pitchFamily="18" charset="0"/>
                               </a:rPr>
                             </m:ctrlPr>
                           </m:accPr>
@@ -11107,7 +10987,7 @@
                               <m:sSubPr>
                                 <m:ctrlPr>
                                   <a:rPr lang="fr-FR" sz="1100" b="0" i="1" smtClean="0">
-                                    <a:latin typeface="Cambria Math"/>
+                                    <a:latin typeface="Cambria Math" panose="02040503050406030204" pitchFamily="18" charset="0"/>
                                   </a:rPr>
                                 </m:ctrlPr>
                               </m:sSubPr>
@@ -11203,7 +11083,7 @@
               <a:lstStyle/>
               <a:p>
                 <a:r>
-                  <a:rPr lang="fr-FR" sz="1100" b="0" dirty="0" smtClean="0"/>
+                  <a:rPr lang="fr-FR" sz="1100" b="0" dirty="0"/>
                   <a:t>Pivot </a:t>
                 </a:r>
                 <a14:m>
@@ -11212,7 +11092,7 @@
                       <m:dPr>
                         <m:ctrlPr>
                           <a:rPr lang="fr-FR" sz="1100" b="0" i="1" smtClean="0">
-                            <a:latin typeface="Cambria Math"/>
+                            <a:latin typeface="Cambria Math" panose="02040503050406030204" pitchFamily="18" charset="0"/>
                           </a:rPr>
                         </m:ctrlPr>
                       </m:dPr>
@@ -11234,7 +11114,7 @@
                             <m:chr m:val="⃗"/>
                             <m:ctrlPr>
                               <a:rPr lang="fr-FR" sz="1100" b="0" i="1" smtClean="0">
-                                <a:latin typeface="Cambria Math"/>
+                                <a:latin typeface="Cambria Math" panose="02040503050406030204" pitchFamily="18" charset="0"/>
                               </a:rPr>
                             </m:ctrlPr>
                           </m:accPr>
@@ -11243,7 +11123,7 @@
                               <m:sSubPr>
                                 <m:ctrlPr>
                                   <a:rPr lang="fr-FR" sz="1100" b="0" i="1" smtClean="0">
-                                    <a:latin typeface="Cambria Math"/>
+                                    <a:latin typeface="Cambria Math" panose="02040503050406030204" pitchFamily="18" charset="0"/>
                                   </a:rPr>
                                 </m:ctrlPr>
                               </m:sSubPr>
@@ -11339,7 +11219,7 @@
               <a:lstStyle/>
               <a:p>
                 <a:r>
-                  <a:rPr lang="fr-FR" sz="1100" b="0" dirty="0" smtClean="0"/>
+                  <a:rPr lang="fr-FR" sz="1100" b="0" dirty="0"/>
                   <a:t>Pivot </a:t>
                 </a:r>
                 <a14:m>
@@ -11348,7 +11228,7 @@
                       <m:dPr>
                         <m:ctrlPr>
                           <a:rPr lang="fr-FR" sz="1100" b="0" i="1" smtClean="0">
-                            <a:latin typeface="Cambria Math"/>
+                            <a:latin typeface="Cambria Math" panose="02040503050406030204" pitchFamily="18" charset="0"/>
                           </a:rPr>
                         </m:ctrlPr>
                       </m:dPr>
@@ -11370,7 +11250,7 @@
                             <m:chr m:val="⃗"/>
                             <m:ctrlPr>
                               <a:rPr lang="fr-FR" sz="1100" b="0" i="1" smtClean="0">
-                                <a:latin typeface="Cambria Math"/>
+                                <a:latin typeface="Cambria Math" panose="02040503050406030204" pitchFamily="18" charset="0"/>
                               </a:rPr>
                             </m:ctrlPr>
                           </m:accPr>
@@ -11379,7 +11259,7 @@
                               <m:sSubPr>
                                 <m:ctrlPr>
                                   <a:rPr lang="fr-FR" sz="1100" b="0" i="1" smtClean="0">
-                                    <a:latin typeface="Cambria Math"/>
+                                    <a:latin typeface="Cambria Math" panose="02040503050406030204" pitchFamily="18" charset="0"/>
                                   </a:rPr>
                                 </m:ctrlPr>
                               </m:sSubPr>
@@ -11475,7 +11355,7 @@
               <a:lstStyle/>
               <a:p>
                 <a:r>
-                  <a:rPr lang="fr-FR" sz="1100" b="0" dirty="0" smtClean="0"/>
+                  <a:rPr lang="fr-FR" sz="1100" b="0" dirty="0"/>
                   <a:t>Glissière </a:t>
                 </a:r>
                 <a14:m>
@@ -11484,7 +11364,7 @@
                       <m:dPr>
                         <m:ctrlPr>
                           <a:rPr lang="fr-FR" sz="1100" b="0" i="1" smtClean="0">
-                            <a:latin typeface="Cambria Math"/>
+                            <a:latin typeface="Cambria Math" panose="02040503050406030204" pitchFamily="18" charset="0"/>
                           </a:rPr>
                         </m:ctrlPr>
                       </m:dPr>
@@ -11506,7 +11386,7 @@
                             <m:chr m:val="⃗"/>
                             <m:ctrlPr>
                               <a:rPr lang="fr-FR" sz="1100" b="0" i="1" smtClean="0">
-                                <a:latin typeface="Cambria Math"/>
+                                <a:latin typeface="Cambria Math" panose="02040503050406030204" pitchFamily="18" charset="0"/>
                               </a:rPr>
                             </m:ctrlPr>
                           </m:accPr>
@@ -11515,7 +11395,7 @@
                               <m:sSubPr>
                                 <m:ctrlPr>
                                   <a:rPr lang="fr-FR" sz="1100" b="0" i="1" smtClean="0">
-                                    <a:latin typeface="Cambria Math"/>
+                                    <a:latin typeface="Cambria Math" panose="02040503050406030204" pitchFamily="18" charset="0"/>
                                   </a:rPr>
                                 </m:ctrlPr>
                               </m:sSubPr>
@@ -11621,7 +11501,7 @@
                         <m:sSubPr>
                           <m:ctrlPr>
                             <a:rPr lang="fr-FR" sz="1400" b="0" i="1" smtClean="0">
-                              <a:latin typeface="Cambria Math"/>
+                              <a:latin typeface="Cambria Math" panose="02040503050406030204" pitchFamily="18" charset="0"/>
                             </a:rPr>
                           </m:ctrlPr>
                         </m:sSubPr>
@@ -11632,7 +11512,7 @@
                               <m:endChr m:val="}"/>
                               <m:ctrlPr>
                                 <a:rPr lang="fr-FR" sz="1400" b="0" i="1" smtClean="0">
-                                  <a:latin typeface="Cambria Math"/>
+                                  <a:latin typeface="Cambria Math" panose="02040503050406030204" pitchFamily="18" charset="0"/>
                                 </a:rPr>
                               </m:ctrlPr>
                             </m:dPr>
@@ -11648,7 +11528,7 @@
                                 <m:dPr>
                                   <m:ctrlPr>
                                     <a:rPr lang="fr-FR" sz="1400" b="0" i="1" smtClean="0">
-                                      <a:latin typeface="Cambria Math"/>
+                                      <a:latin typeface="Cambria Math" panose="02040503050406030204" pitchFamily="18" charset="0"/>
                                       <a:ea typeface="Cambria Math"/>
                                     </a:rPr>
                                   </m:ctrlPr>
@@ -11685,7 +11565,7 @@
                               <m:endChr m:val="}"/>
                               <m:ctrlPr>
                                 <a:rPr lang="fr-FR" sz="1400" b="0" i="1" smtClean="0">
-                                  <a:latin typeface="Cambria Math"/>
+                                  <a:latin typeface="Cambria Math" panose="02040503050406030204" pitchFamily="18" charset="0"/>
                                 </a:rPr>
                               </m:ctrlPr>
                             </m:dPr>
@@ -11694,7 +11574,7 @@
                                 <m:eqArrPr>
                                   <m:ctrlPr>
                                     <a:rPr lang="fr-FR" sz="1400" b="0" i="1" smtClean="0">
-                                      <a:latin typeface="Cambria Math"/>
+                                      <a:latin typeface="Cambria Math" panose="02040503050406030204" pitchFamily="18" charset="0"/>
                                     </a:rPr>
                                   </m:ctrlPr>
                                 </m:eqArrPr>
@@ -11703,7 +11583,7 @@
                                     <m:sSubPr>
                                       <m:ctrlPr>
                                         <a:rPr lang="fr-FR" sz="1400" i="1">
-                                          <a:latin typeface="Cambria Math"/>
+                                          <a:latin typeface="Cambria Math" panose="02040503050406030204" pitchFamily="18" charset="0"/>
                                         </a:rPr>
                                       </m:ctrlPr>
                                     </m:sSubPr>
@@ -11738,7 +11618,7 @@
                                       <m:chr m:val="⃗"/>
                                       <m:ctrlPr>
                                         <a:rPr lang="fr-FR" sz="1400" i="1">
-                                          <a:latin typeface="Cambria Math"/>
+                                          <a:latin typeface="Cambria Math" panose="02040503050406030204" pitchFamily="18" charset="0"/>
                                         </a:rPr>
                                       </m:ctrlPr>
                                     </m:accPr>
@@ -11747,7 +11627,7 @@
                                         <m:sSubPr>
                                           <m:ctrlPr>
                                             <a:rPr lang="fr-FR" sz="1400" i="1">
-                                              <a:latin typeface="Cambria Math"/>
+                                              <a:latin typeface="Cambria Math" panose="02040503050406030204" pitchFamily="18" charset="0"/>
                                             </a:rPr>
                                           </m:ctrlPr>
                                         </m:sSubPr>
@@ -11777,7 +11657,7 @@
                                       <m:chr m:val="⃗"/>
                                       <m:ctrlPr>
                                         <a:rPr lang="fr-FR" sz="1400" i="1">
-                                          <a:latin typeface="Cambria Math"/>
+                                          <a:latin typeface="Cambria Math" panose="02040503050406030204" pitchFamily="18" charset="0"/>
                                         </a:rPr>
                                       </m:ctrlPr>
                                     </m:accPr>
@@ -11800,7 +11680,7 @@
                             <m:sSubPr>
                               <m:ctrlPr>
                                 <a:rPr lang="fr-FR" sz="1400" b="0" i="1" smtClean="0">
-                                  <a:latin typeface="Cambria Math"/>
+                                  <a:latin typeface="Cambria Math" panose="02040503050406030204" pitchFamily="18" charset="0"/>
                                 </a:rPr>
                               </m:ctrlPr>
                             </m:sSubPr>
@@ -11893,7 +11773,7 @@
           <a:lstStyle/>
           <a:p>
             <a:r>
-              <a:rPr lang="fr-FR" sz="1100" b="0" dirty="0" smtClean="0"/>
+              <a:rPr lang="fr-FR" sz="1100" b="0" dirty="0"/>
               <a:t>Pesanteur</a:t>
             </a:r>
             <a:endParaRPr lang="fr-FR" sz="1100" dirty="0"/>
@@ -11934,7 +11814,7 @@
                         <m:sSubPr>
                           <m:ctrlPr>
                             <a:rPr lang="fr-FR" sz="1100" i="1" smtClean="0">
-                              <a:latin typeface="Cambria Math"/>
+                              <a:latin typeface="Cambria Math" panose="02040503050406030204" pitchFamily="18" charset="0"/>
                             </a:rPr>
                           </m:ctrlPr>
                         </m:sSubPr>
@@ -11975,7 +11855,7 @@
                           <m:chr m:val="⃗"/>
                           <m:ctrlPr>
                             <a:rPr lang="fr-FR" sz="1100" i="1">
-                              <a:latin typeface="Cambria Math"/>
+                              <a:latin typeface="Cambria Math" panose="02040503050406030204" pitchFamily="18" charset="0"/>
                             </a:rPr>
                           </m:ctrlPr>
                         </m:accPr>
@@ -11984,7 +11864,7 @@
                             <m:sSubPr>
                               <m:ctrlPr>
                                 <a:rPr lang="fr-FR" sz="1100" i="1">
-                                  <a:latin typeface="Cambria Math"/>
+                                  <a:latin typeface="Cambria Math" panose="02040503050406030204" pitchFamily="18" charset="0"/>
                                 </a:rPr>
                               </m:ctrlPr>
                             </m:sSubPr>
@@ -12088,7 +11968,7 @@
                         <m:sSubPr>
                           <m:ctrlPr>
                             <a:rPr lang="fr-FR" sz="1100" i="1" smtClean="0">
-                              <a:latin typeface="Cambria Math"/>
+                              <a:latin typeface="Cambria Math" panose="02040503050406030204" pitchFamily="18" charset="0"/>
                             </a:rPr>
                           </m:ctrlPr>
                         </m:sSubPr>
@@ -12114,7 +11994,7 @@
                           <m:chr m:val="⃗"/>
                           <m:ctrlPr>
                             <a:rPr lang="fr-FR" sz="1100" i="1">
-                              <a:latin typeface="Cambria Math"/>
+                              <a:latin typeface="Cambria Math" panose="02040503050406030204" pitchFamily="18" charset="0"/>
                             </a:rPr>
                           </m:ctrlPr>
                         </m:accPr>
@@ -12123,7 +12003,7 @@
                             <m:sSubPr>
                               <m:ctrlPr>
                                 <a:rPr lang="fr-FR" sz="1100" i="1">
-                                  <a:latin typeface="Cambria Math"/>
+                                  <a:latin typeface="Cambria Math" panose="02040503050406030204" pitchFamily="18" charset="0"/>
                                 </a:rPr>
                               </m:ctrlPr>
                             </m:sSubPr>
@@ -12227,7 +12107,7 @@
                         <m:sSubPr>
                           <m:ctrlPr>
                             <a:rPr lang="fr-FR" sz="1100" i="1" smtClean="0">
-                              <a:latin typeface="Cambria Math"/>
+                              <a:latin typeface="Cambria Math" panose="02040503050406030204" pitchFamily="18" charset="0"/>
                             </a:rPr>
                           </m:ctrlPr>
                         </m:sSubPr>
@@ -12253,7 +12133,7 @@
                           <m:chr m:val="⃗"/>
                           <m:ctrlPr>
                             <a:rPr lang="fr-FR" sz="1100" i="1">
-                              <a:latin typeface="Cambria Math"/>
+                              <a:latin typeface="Cambria Math" panose="02040503050406030204" pitchFamily="18" charset="0"/>
                             </a:rPr>
                           </m:ctrlPr>
                         </m:accPr>
@@ -12262,7 +12142,7 @@
                             <m:sSubPr>
                               <m:ctrlPr>
                                 <a:rPr lang="fr-FR" sz="1100" i="1">
-                                  <a:latin typeface="Cambria Math"/>
+                                  <a:latin typeface="Cambria Math" panose="02040503050406030204" pitchFamily="18" charset="0"/>
                                 </a:rPr>
                               </m:ctrlPr>
                             </m:sSubPr>
@@ -12366,7 +12246,7 @@
                         <m:sSubPr>
                           <m:ctrlPr>
                             <a:rPr lang="fr-FR" sz="1100" i="1" smtClean="0">
-                              <a:latin typeface="Cambria Math"/>
+                              <a:latin typeface="Cambria Math" panose="02040503050406030204" pitchFamily="18" charset="0"/>
                             </a:rPr>
                           </m:ctrlPr>
                         </m:sSubPr>
@@ -12401,7 +12281,7 @@
                           <m:chr m:val="⃗"/>
                           <m:ctrlPr>
                             <a:rPr lang="fr-FR" sz="1100" i="1">
-                              <a:latin typeface="Cambria Math"/>
+                              <a:latin typeface="Cambria Math" panose="02040503050406030204" pitchFamily="18" charset="0"/>
                             </a:rPr>
                           </m:ctrlPr>
                         </m:accPr>
@@ -12410,7 +12290,7 @@
                             <m:sSubPr>
                               <m:ctrlPr>
                                 <a:rPr lang="fr-FR" sz="1100" i="1">
-                                  <a:latin typeface="Cambria Math"/>
+                                  <a:latin typeface="Cambria Math" panose="02040503050406030204" pitchFamily="18" charset="0"/>
                                 </a:rPr>
                               </m:ctrlPr>
                             </m:sSubPr>
@@ -12754,18 +12634,13 @@
           <a:p>
             <a:pPr algn="ctr"/>
             <a:r>
-              <a:rPr lang="fr-FR" sz="1400" b="1" dirty="0" smtClean="0">
+              <a:rPr lang="fr-FR" sz="1400" b="1" dirty="0">
                 <a:solidFill>
                   <a:schemeClr val="accent4"/>
                 </a:solidFill>
               </a:rPr>
               <a:t>1</a:t>
             </a:r>
-            <a:endParaRPr lang="fr-FR" sz="1400" b="1" dirty="0">
-              <a:solidFill>
-                <a:schemeClr val="accent4"/>
-              </a:solidFill>
-            </a:endParaRPr>
           </a:p>
         </p:txBody>
       </p:sp>
@@ -12819,7 +12694,7 @@
           <a:p>
             <a:pPr algn="ctr"/>
             <a:r>
-              <a:rPr lang="fr-FR" sz="1400" b="1" dirty="0" smtClean="0">
+              <a:rPr lang="fr-FR" sz="1400" b="1" dirty="0">
                 <a:solidFill>
                   <a:schemeClr val="accent6">
                     <a:lumMod val="50000"/>
@@ -12828,13 +12703,6 @@
               </a:rPr>
               <a:t>0</a:t>
             </a:r>
-            <a:endParaRPr lang="fr-FR" sz="1400" b="1" dirty="0">
-              <a:solidFill>
-                <a:schemeClr val="accent6">
-                  <a:lumMod val="50000"/>
-                </a:schemeClr>
-              </a:solidFill>
-            </a:endParaRPr>
           </a:p>
         </p:txBody>
       </p:sp>
@@ -12876,8 +12744,8 @@
           </a:fontRef>
         </p:style>
       </p:cxnSp>
-      <mc:AlternateContent xmlns:mc="http://schemas.openxmlformats.org/markup-compatibility/2006">
-        <mc:Choice xmlns:a14="http://schemas.microsoft.com/office/drawing/2010/main" Requires="a14">
+      <mc:AlternateContent xmlns:mc="http://schemas.openxmlformats.org/markup-compatibility/2006" xmlns:a14="http://schemas.microsoft.com/office/drawing/2010/main">
+        <mc:Choice Requires="a14">
           <p:sp>
             <p:nvSpPr>
               <p:cNvPr id="31" name="ZoneTexte 30"/>
@@ -12901,7 +12769,7 @@
               <a:lstStyle/>
               <a:p>
                 <a:r>
-                  <a:rPr lang="fr-FR" sz="1000" b="0" dirty="0" smtClean="0"/>
+                  <a:rPr lang="fr-FR" sz="1000" b="0" dirty="0"/>
                   <a:t>Pivot </a:t>
                 </a:r>
                 <a14:m>
@@ -12910,7 +12778,7 @@
                       <m:dPr>
                         <m:ctrlPr>
                           <a:rPr lang="fr-FR" sz="1000" b="0" i="1" smtClean="0">
-                            <a:latin typeface="Cambria Math"/>
+                            <a:latin typeface="Cambria Math" panose="02040503050406030204" pitchFamily="18" charset="0"/>
                           </a:rPr>
                         </m:ctrlPr>
                       </m:dPr>
@@ -12932,7 +12800,7 @@
                             <m:chr m:val="⃗"/>
                             <m:ctrlPr>
                               <a:rPr lang="fr-FR" sz="1000" b="0" i="1" smtClean="0">
-                                <a:latin typeface="Cambria Math"/>
+                                <a:latin typeface="Cambria Math" panose="02040503050406030204" pitchFamily="18" charset="0"/>
                               </a:rPr>
                             </m:ctrlPr>
                           </m:accPr>
@@ -12954,7 +12822,7 @@
             </p:txBody>
           </p:sp>
         </mc:Choice>
-        <mc:Fallback>
+        <mc:Fallback xmlns="">
           <p:sp>
             <p:nvSpPr>
               <p:cNvPr id="31" name="ZoneTexte 30"/>
@@ -12993,8 +12861,8 @@
           </p:sp>
         </mc:Fallback>
       </mc:AlternateContent>
-      <mc:AlternateContent xmlns:mc="http://schemas.openxmlformats.org/markup-compatibility/2006">
-        <mc:Choice xmlns:a14="http://schemas.microsoft.com/office/drawing/2010/main" Requires="a14">
+      <mc:AlternateContent xmlns:mc="http://schemas.openxmlformats.org/markup-compatibility/2006" xmlns:a14="http://schemas.microsoft.com/office/drawing/2010/main">
+        <mc:Choice Requires="a14">
           <p:sp>
             <p:nvSpPr>
               <p:cNvPr id="37" name="Rectangle 36"/>
@@ -13027,7 +12895,7 @@
                         <m:sSubPr>
                           <m:ctrlPr>
                             <a:rPr lang="fr-FR" sz="1000" i="1" smtClean="0">
-                              <a:latin typeface="Cambria Math"/>
+                              <a:latin typeface="Cambria Math" panose="02040503050406030204" pitchFamily="18" charset="0"/>
                             </a:rPr>
                           </m:ctrlPr>
                         </m:sSubPr>
@@ -13068,7 +12936,7 @@
                           <m:chr m:val="⃗"/>
                           <m:ctrlPr>
                             <a:rPr lang="fr-FR" sz="1000" i="1">
-                              <a:latin typeface="Cambria Math"/>
+                              <a:latin typeface="Cambria Math" panose="02040503050406030204" pitchFamily="18" charset="0"/>
                             </a:rPr>
                           </m:ctrlPr>
                         </m:accPr>
@@ -13089,7 +12957,7 @@
             </p:txBody>
           </p:sp>
         </mc:Choice>
-        <mc:Fallback>
+        <mc:Fallback xmlns="">
           <p:sp>
             <p:nvSpPr>
               <p:cNvPr id="37" name="Rectangle 36"/>
@@ -13128,8 +12996,8 @@
           </p:sp>
         </mc:Fallback>
       </mc:AlternateContent>
-      <mc:AlternateContent xmlns:mc="http://schemas.openxmlformats.org/markup-compatibility/2006">
-        <mc:Choice xmlns:a14="http://schemas.microsoft.com/office/drawing/2010/main" Requires="a14">
+      <mc:AlternateContent xmlns:mc="http://schemas.openxmlformats.org/markup-compatibility/2006" xmlns:a14="http://schemas.microsoft.com/office/drawing/2010/main">
+        <mc:Choice Requires="a14">
           <p:sp>
             <p:nvSpPr>
               <p:cNvPr id="41" name="ZoneTexte 40"/>
@@ -13153,7 +13021,7 @@
               <a:lstStyle/>
               <a:p>
                 <a:r>
-                  <a:rPr lang="fr-FR" sz="1000" b="0" dirty="0" smtClean="0"/>
+                  <a:rPr lang="fr-FR" sz="1000" b="0" dirty="0"/>
                   <a:t>Pivot </a:t>
                 </a:r>
                 <a14:m>
@@ -13162,7 +13030,7 @@
                       <m:dPr>
                         <m:ctrlPr>
                           <a:rPr lang="fr-FR" sz="1000" b="0" i="1" smtClean="0">
-                            <a:latin typeface="Cambria Math"/>
+                            <a:latin typeface="Cambria Math" panose="02040503050406030204" pitchFamily="18" charset="0"/>
                           </a:rPr>
                         </m:ctrlPr>
                       </m:dPr>
@@ -13184,7 +13052,7 @@
                             <m:chr m:val="⃗"/>
                             <m:ctrlPr>
                               <a:rPr lang="fr-FR" sz="1000" b="0" i="1" smtClean="0">
-                                <a:latin typeface="Cambria Math"/>
+                                <a:latin typeface="Cambria Math" panose="02040503050406030204" pitchFamily="18" charset="0"/>
                               </a:rPr>
                             </m:ctrlPr>
                           </m:accPr>
@@ -13206,7 +13074,7 @@
             </p:txBody>
           </p:sp>
         </mc:Choice>
-        <mc:Fallback>
+        <mc:Fallback xmlns="">
           <p:sp>
             <p:nvSpPr>
               <p:cNvPr id="41" name="ZoneTexte 40"/>
@@ -13422,6 +13290,222 @@
       </p:grpSpPr>
       <p:sp>
         <p:nvSpPr>
+          <p:cNvPr id="59" name="Forme libre : forme 58">
+            <a:extLst>
+              <a:ext uri="{FF2B5EF4-FFF2-40B4-BE49-F238E27FC236}">
+                <a16:creationId xmlns:a16="http://schemas.microsoft.com/office/drawing/2014/main" id="{84F8897E-39E5-4980-B930-8BD83ABEC0BF}"/>
+              </a:ext>
+            </a:extLst>
+          </p:cNvPr>
+          <p:cNvSpPr/>
+          <p:nvPr/>
+        </p:nvSpPr>
+        <p:spPr>
+          <a:xfrm flipH="1">
+            <a:off x="6754037" y="3460346"/>
+            <a:ext cx="187611" cy="1408814"/>
+          </a:xfrm>
+          <a:custGeom>
+            <a:avLst/>
+            <a:gdLst>
+              <a:gd name="connsiteX0" fmla="*/ 10633 w 10633"/>
+              <a:gd name="connsiteY0" fmla="*/ 0 h 1408814"/>
+              <a:gd name="connsiteX1" fmla="*/ 0 w 10633"/>
+              <a:gd name="connsiteY1" fmla="*/ 1408814 h 1408814"/>
+              <a:gd name="connsiteX2" fmla="*/ 0 w 10633"/>
+              <a:gd name="connsiteY2" fmla="*/ 1408814 h 1408814"/>
+              <a:gd name="connsiteX0" fmla="*/ 172528 w 172528"/>
+              <a:gd name="connsiteY0" fmla="*/ 0 h 1408814"/>
+              <a:gd name="connsiteX1" fmla="*/ 161895 w 172528"/>
+              <a:gd name="connsiteY1" fmla="*/ 1408814 h 1408814"/>
+              <a:gd name="connsiteX2" fmla="*/ 161895 w 172528"/>
+              <a:gd name="connsiteY2" fmla="*/ 1408814 h 1408814"/>
+              <a:gd name="connsiteX0" fmla="*/ 233916 w 233916"/>
+              <a:gd name="connsiteY0" fmla="*/ 0 h 1506520"/>
+              <a:gd name="connsiteX1" fmla="*/ 223283 w 233916"/>
+              <a:gd name="connsiteY1" fmla="*/ 1408814 h 1506520"/>
+              <a:gd name="connsiteX2" fmla="*/ 0 w 233916"/>
+              <a:gd name="connsiteY2" fmla="*/ 1382232 h 1506520"/>
+              <a:gd name="connsiteX0" fmla="*/ 163955 w 163955"/>
+              <a:gd name="connsiteY0" fmla="*/ 0 h 1408814"/>
+              <a:gd name="connsiteX1" fmla="*/ 153322 w 163955"/>
+              <a:gd name="connsiteY1" fmla="*/ 1408814 h 1408814"/>
+              <a:gd name="connsiteX0" fmla="*/ 239819 w 239819"/>
+              <a:gd name="connsiteY0" fmla="*/ 0 h 1408814"/>
+              <a:gd name="connsiteX1" fmla="*/ 229186 w 239819"/>
+              <a:gd name="connsiteY1" fmla="*/ 1408814 h 1408814"/>
+              <a:gd name="connsiteX0" fmla="*/ 303682 w 303682"/>
+              <a:gd name="connsiteY0" fmla="*/ 0 h 1408814"/>
+              <a:gd name="connsiteX1" fmla="*/ 293049 w 303682"/>
+              <a:gd name="connsiteY1" fmla="*/ 1408814 h 1408814"/>
+            </a:gdLst>
+            <a:ahLst/>
+            <a:cxnLst>
+              <a:cxn ang="0">
+                <a:pos x="connsiteX0" y="connsiteY0"/>
+              </a:cxn>
+              <a:cxn ang="0">
+                <a:pos x="connsiteX1" y="connsiteY1"/>
+              </a:cxn>
+            </a:cxnLst>
+            <a:rect l="l" t="t" r="r" b="b"/>
+            <a:pathLst>
+              <a:path w="303682" h="1408814">
+                <a:moveTo>
+                  <a:pt x="303682" y="0"/>
+                </a:moveTo>
+                <a:cubicBezTo>
+                  <a:pt x="-78205" y="624220"/>
+                  <a:pt x="-119848" y="747824"/>
+                  <a:pt x="293049" y="1408814"/>
+                </a:cubicBezTo>
+              </a:path>
+            </a:pathLst>
+          </a:custGeom>
+          <a:noFill/>
+          <a:ln w="19050">
+            <a:solidFill>
+              <a:schemeClr val="accent4">
+                <a:lumMod val="75000"/>
+              </a:schemeClr>
+            </a:solidFill>
+          </a:ln>
+        </p:spPr>
+        <p:style>
+          <a:lnRef idx="2">
+            <a:schemeClr val="accent1">
+              <a:shade val="50000"/>
+            </a:schemeClr>
+          </a:lnRef>
+          <a:fillRef idx="1">
+            <a:schemeClr val="accent1"/>
+          </a:fillRef>
+          <a:effectRef idx="0">
+            <a:schemeClr val="accent1"/>
+          </a:effectRef>
+          <a:fontRef idx="minor">
+            <a:schemeClr val="lt1"/>
+          </a:fontRef>
+        </p:style>
+        <p:txBody>
+          <a:bodyPr rtlCol="0" anchor="ctr"/>
+          <a:lstStyle/>
+          <a:p>
+            <a:pPr algn="ctr"/>
+            <a:endParaRPr lang="fr-FR"/>
+          </a:p>
+        </p:txBody>
+      </p:sp>
+      <p:sp>
+        <p:nvSpPr>
+          <p:cNvPr id="58" name="Forme libre : forme 57">
+            <a:extLst>
+              <a:ext uri="{FF2B5EF4-FFF2-40B4-BE49-F238E27FC236}">
+                <a16:creationId xmlns:a16="http://schemas.microsoft.com/office/drawing/2014/main" id="{F80A9A3A-00AD-4184-8256-F26DBE43D9FC}"/>
+              </a:ext>
+            </a:extLst>
+          </p:cNvPr>
+          <p:cNvSpPr/>
+          <p:nvPr/>
+        </p:nvSpPr>
+        <p:spPr>
+          <a:xfrm>
+            <a:off x="6516216" y="3444949"/>
+            <a:ext cx="187611" cy="1408814"/>
+          </a:xfrm>
+          <a:custGeom>
+            <a:avLst/>
+            <a:gdLst>
+              <a:gd name="connsiteX0" fmla="*/ 10633 w 10633"/>
+              <a:gd name="connsiteY0" fmla="*/ 0 h 1408814"/>
+              <a:gd name="connsiteX1" fmla="*/ 0 w 10633"/>
+              <a:gd name="connsiteY1" fmla="*/ 1408814 h 1408814"/>
+              <a:gd name="connsiteX2" fmla="*/ 0 w 10633"/>
+              <a:gd name="connsiteY2" fmla="*/ 1408814 h 1408814"/>
+              <a:gd name="connsiteX0" fmla="*/ 172528 w 172528"/>
+              <a:gd name="connsiteY0" fmla="*/ 0 h 1408814"/>
+              <a:gd name="connsiteX1" fmla="*/ 161895 w 172528"/>
+              <a:gd name="connsiteY1" fmla="*/ 1408814 h 1408814"/>
+              <a:gd name="connsiteX2" fmla="*/ 161895 w 172528"/>
+              <a:gd name="connsiteY2" fmla="*/ 1408814 h 1408814"/>
+              <a:gd name="connsiteX0" fmla="*/ 233916 w 233916"/>
+              <a:gd name="connsiteY0" fmla="*/ 0 h 1506520"/>
+              <a:gd name="connsiteX1" fmla="*/ 223283 w 233916"/>
+              <a:gd name="connsiteY1" fmla="*/ 1408814 h 1506520"/>
+              <a:gd name="connsiteX2" fmla="*/ 0 w 233916"/>
+              <a:gd name="connsiteY2" fmla="*/ 1382232 h 1506520"/>
+              <a:gd name="connsiteX0" fmla="*/ 163955 w 163955"/>
+              <a:gd name="connsiteY0" fmla="*/ 0 h 1408814"/>
+              <a:gd name="connsiteX1" fmla="*/ 153322 w 163955"/>
+              <a:gd name="connsiteY1" fmla="*/ 1408814 h 1408814"/>
+              <a:gd name="connsiteX0" fmla="*/ 239819 w 239819"/>
+              <a:gd name="connsiteY0" fmla="*/ 0 h 1408814"/>
+              <a:gd name="connsiteX1" fmla="*/ 229186 w 239819"/>
+              <a:gd name="connsiteY1" fmla="*/ 1408814 h 1408814"/>
+              <a:gd name="connsiteX0" fmla="*/ 303682 w 303682"/>
+              <a:gd name="connsiteY0" fmla="*/ 0 h 1408814"/>
+              <a:gd name="connsiteX1" fmla="*/ 293049 w 303682"/>
+              <a:gd name="connsiteY1" fmla="*/ 1408814 h 1408814"/>
+            </a:gdLst>
+            <a:ahLst/>
+            <a:cxnLst>
+              <a:cxn ang="0">
+                <a:pos x="connsiteX0" y="connsiteY0"/>
+              </a:cxn>
+              <a:cxn ang="0">
+                <a:pos x="connsiteX1" y="connsiteY1"/>
+              </a:cxn>
+            </a:cxnLst>
+            <a:rect l="l" t="t" r="r" b="b"/>
+            <a:pathLst>
+              <a:path w="303682" h="1408814">
+                <a:moveTo>
+                  <a:pt x="303682" y="0"/>
+                </a:moveTo>
+                <a:cubicBezTo>
+                  <a:pt x="-78205" y="624220"/>
+                  <a:pt x="-119848" y="747824"/>
+                  <a:pt x="293049" y="1408814"/>
+                </a:cubicBezTo>
+              </a:path>
+            </a:pathLst>
+          </a:custGeom>
+          <a:noFill/>
+          <a:ln w="19050">
+            <a:solidFill>
+              <a:schemeClr val="accent4">
+                <a:lumMod val="75000"/>
+              </a:schemeClr>
+            </a:solidFill>
+          </a:ln>
+        </p:spPr>
+        <p:style>
+          <a:lnRef idx="2">
+            <a:schemeClr val="accent1">
+              <a:shade val="50000"/>
+            </a:schemeClr>
+          </a:lnRef>
+          <a:fillRef idx="1">
+            <a:schemeClr val="accent1"/>
+          </a:fillRef>
+          <a:effectRef idx="0">
+            <a:schemeClr val="accent1"/>
+          </a:effectRef>
+          <a:fontRef idx="minor">
+            <a:schemeClr val="lt1"/>
+          </a:fontRef>
+        </p:style>
+        <p:txBody>
+          <a:bodyPr rtlCol="0" anchor="ctr"/>
+          <a:lstStyle/>
+          <a:p>
+            <a:pPr algn="ctr"/>
+            <a:endParaRPr lang="fr-FR"/>
+          </a:p>
+        </p:txBody>
+      </p:sp>
+      <p:sp>
+        <p:nvSpPr>
           <p:cNvPr id="4" name="Ellipse 3"/>
           <p:cNvSpPr/>
           <p:nvPr/>
@@ -13468,7 +13552,7 @@
           <a:p>
             <a:pPr algn="ctr"/>
             <a:r>
-              <a:rPr lang="fr-FR" sz="1400" b="1" dirty="0" smtClean="0">
+              <a:rPr lang="fr-FR" sz="1400" b="1" dirty="0">
                 <a:solidFill>
                   <a:schemeClr val="accent4"/>
                 </a:solidFill>
@@ -13476,18 +13560,13 @@
               <a:t>1</a:t>
             </a:r>
             <a:r>
-              <a:rPr lang="fr-FR" sz="1400" b="1" baseline="-25000" dirty="0" smtClean="0">
+              <a:rPr lang="fr-FR" sz="1400" b="1" baseline="-25000" dirty="0">
                 <a:solidFill>
                   <a:schemeClr val="accent4"/>
                 </a:solidFill>
               </a:rPr>
               <a:t>c</a:t>
             </a:r>
-            <a:endParaRPr lang="fr-FR" sz="1400" b="1" baseline="-25000" dirty="0">
-              <a:solidFill>
-                <a:schemeClr val="accent4"/>
-              </a:solidFill>
-            </a:endParaRPr>
           </a:p>
         </p:txBody>
       </p:sp>
@@ -13541,7 +13620,7 @@
           <a:p>
             <a:pPr algn="ctr"/>
             <a:r>
-              <a:rPr lang="fr-FR" sz="1400" b="1" dirty="0" smtClean="0">
+              <a:rPr lang="fr-FR" sz="1400" b="1" dirty="0">
                 <a:solidFill>
                   <a:schemeClr val="accent6">
                     <a:lumMod val="50000"/>
@@ -13550,13 +13629,6 @@
               </a:rPr>
               <a:t>0</a:t>
             </a:r>
-            <a:endParaRPr lang="fr-FR" sz="1400" b="1" dirty="0">
-              <a:solidFill>
-                <a:schemeClr val="accent6">
-                  <a:lumMod val="50000"/>
-                </a:schemeClr>
-              </a:solidFill>
-            </a:endParaRPr>
           </a:p>
         </p:txBody>
       </p:sp>
@@ -13598,8 +13670,8 @@
           </a:fontRef>
         </p:style>
       </p:cxnSp>
-      <mc:AlternateContent xmlns:mc="http://schemas.openxmlformats.org/markup-compatibility/2006">
-        <mc:Choice xmlns:a14="http://schemas.microsoft.com/office/drawing/2010/main" Requires="a14">
+      <mc:AlternateContent xmlns:mc="http://schemas.openxmlformats.org/markup-compatibility/2006" xmlns:a14="http://schemas.microsoft.com/office/drawing/2010/main">
+        <mc:Choice Requires="a14">
           <p:sp>
             <p:nvSpPr>
               <p:cNvPr id="31" name="ZoneTexte 30"/>
@@ -13623,7 +13695,7 @@
               <a:lstStyle/>
               <a:p>
                 <a:r>
-                  <a:rPr lang="fr-FR" sz="1000" b="0" dirty="0" smtClean="0"/>
+                  <a:rPr lang="fr-FR" sz="1000" b="0" dirty="0"/>
                   <a:t>Pivot </a:t>
                 </a:r>
                 <a14:m>
@@ -13632,7 +13704,7 @@
                       <m:dPr>
                         <m:ctrlPr>
                           <a:rPr lang="fr-FR" sz="1000" b="0" i="1" smtClean="0">
-                            <a:latin typeface="Cambria Math"/>
+                            <a:latin typeface="Cambria Math" panose="02040503050406030204" pitchFamily="18" charset="0"/>
                           </a:rPr>
                         </m:ctrlPr>
                       </m:dPr>
@@ -13654,7 +13726,7 @@
                             <m:chr m:val="⃗"/>
                             <m:ctrlPr>
                               <a:rPr lang="fr-FR" sz="1000" b="0" i="1" smtClean="0">
-                                <a:latin typeface="Cambria Math"/>
+                                <a:latin typeface="Cambria Math" panose="02040503050406030204" pitchFamily="18" charset="0"/>
                               </a:rPr>
                             </m:ctrlPr>
                           </m:accPr>
@@ -13676,7 +13748,7 @@
             </p:txBody>
           </p:sp>
         </mc:Choice>
-        <mc:Fallback>
+        <mc:Fallback xmlns="">
           <p:sp>
             <p:nvSpPr>
               <p:cNvPr id="31" name="ZoneTexte 30"/>
@@ -13715,8 +13787,8 @@
           </p:sp>
         </mc:Fallback>
       </mc:AlternateContent>
-      <mc:AlternateContent xmlns:mc="http://schemas.openxmlformats.org/markup-compatibility/2006">
-        <mc:Choice xmlns:a14="http://schemas.microsoft.com/office/drawing/2010/main" Requires="a14">
+      <mc:AlternateContent xmlns:mc="http://schemas.openxmlformats.org/markup-compatibility/2006" xmlns:a14="http://schemas.microsoft.com/office/drawing/2010/main">
+        <mc:Choice Requires="a14">
           <p:sp>
             <p:nvSpPr>
               <p:cNvPr id="37" name="Rectangle 36"/>
@@ -13749,7 +13821,7 @@
                         <m:sSubPr>
                           <m:ctrlPr>
                             <a:rPr lang="fr-FR" sz="1000" i="1" smtClean="0">
-                              <a:latin typeface="Cambria Math"/>
+                              <a:latin typeface="Cambria Math" panose="02040503050406030204" pitchFamily="18" charset="0"/>
                             </a:rPr>
                           </m:ctrlPr>
                         </m:sSubPr>
@@ -13790,7 +13862,7 @@
                           <m:chr m:val="⃗"/>
                           <m:ctrlPr>
                             <a:rPr lang="fr-FR" sz="1000" i="1">
-                              <a:latin typeface="Cambria Math"/>
+                              <a:latin typeface="Cambria Math" panose="02040503050406030204" pitchFamily="18" charset="0"/>
                             </a:rPr>
                           </m:ctrlPr>
                         </m:accPr>
@@ -13811,7 +13883,7 @@
             </p:txBody>
           </p:sp>
         </mc:Choice>
-        <mc:Fallback>
+        <mc:Fallback xmlns="">
           <p:sp>
             <p:nvSpPr>
               <p:cNvPr id="37" name="Rectangle 36"/>
@@ -13850,8 +13922,8 @@
           </p:sp>
         </mc:Fallback>
       </mc:AlternateContent>
-      <mc:AlternateContent xmlns:mc="http://schemas.openxmlformats.org/markup-compatibility/2006">
-        <mc:Choice xmlns:a14="http://schemas.microsoft.com/office/drawing/2010/main" Requires="a14">
+      <mc:AlternateContent xmlns:mc="http://schemas.openxmlformats.org/markup-compatibility/2006" xmlns:a14="http://schemas.microsoft.com/office/drawing/2010/main">
+        <mc:Choice Requires="a14">
           <p:sp>
             <p:nvSpPr>
               <p:cNvPr id="41" name="ZoneTexte 40"/>
@@ -13875,7 +13947,7 @@
               <a:lstStyle/>
               <a:p>
                 <a:r>
-                  <a:rPr lang="fr-FR" sz="1000" b="0" dirty="0" smtClean="0"/>
+                  <a:rPr lang="fr-FR" sz="1000" b="0" dirty="0"/>
                   <a:t>Pivot </a:t>
                 </a:r>
                 <a14:m>
@@ -13884,7 +13956,7 @@
                       <m:dPr>
                         <m:ctrlPr>
                           <a:rPr lang="fr-FR" sz="1000" b="0" i="1" smtClean="0">
-                            <a:latin typeface="Cambria Math"/>
+                            <a:latin typeface="Cambria Math" panose="02040503050406030204" pitchFamily="18" charset="0"/>
                           </a:rPr>
                         </m:ctrlPr>
                       </m:dPr>
@@ -13906,7 +13978,7 @@
                             <m:chr m:val="⃗"/>
                             <m:ctrlPr>
                               <a:rPr lang="fr-FR" sz="1000" b="0" i="1" smtClean="0">
-                                <a:latin typeface="Cambria Math"/>
+                                <a:latin typeface="Cambria Math" panose="02040503050406030204" pitchFamily="18" charset="0"/>
                               </a:rPr>
                             </m:ctrlPr>
                           </m:accPr>
@@ -13928,7 +14000,7 @@
             </p:txBody>
           </p:sp>
         </mc:Choice>
-        <mc:Fallback>
+        <mc:Fallback xmlns="">
           <p:sp>
             <p:nvSpPr>
               <p:cNvPr id="41" name="ZoneTexte 40"/>
@@ -14160,7 +14232,7 @@
           <a:p>
             <a:pPr algn="ctr"/>
             <a:r>
-              <a:rPr lang="fr-FR" sz="1400" b="1" dirty="0" smtClean="0">
+              <a:rPr lang="fr-FR" sz="1400" b="1" dirty="0">
                 <a:solidFill>
                   <a:schemeClr val="accent4"/>
                 </a:solidFill>
@@ -14168,18 +14240,13 @@
               <a:t>1</a:t>
             </a:r>
             <a:r>
-              <a:rPr lang="fr-FR" sz="1400" b="1" baseline="-25000" dirty="0" smtClean="0">
+              <a:rPr lang="fr-FR" sz="1400" b="1" baseline="-25000" dirty="0">
                 <a:solidFill>
                   <a:schemeClr val="accent4"/>
                 </a:solidFill>
               </a:rPr>
               <a:t>a</a:t>
             </a:r>
-            <a:endParaRPr lang="fr-FR" sz="1400" b="1" baseline="-25000" dirty="0">
-              <a:solidFill>
-                <a:schemeClr val="accent4"/>
-              </a:solidFill>
-            </a:endParaRPr>
           </a:p>
         </p:txBody>
       </p:sp>
@@ -14307,7 +14374,7 @@
           <a:p>
             <a:pPr algn="ctr"/>
             <a:r>
-              <a:rPr lang="fr-FR" sz="1400" b="1" dirty="0" smtClean="0">
+              <a:rPr lang="fr-FR" sz="1400" b="1" dirty="0">
                 <a:solidFill>
                   <a:schemeClr val="accent4"/>
                 </a:solidFill>
@@ -14315,23 +14382,18 @@
               <a:t>1</a:t>
             </a:r>
             <a:r>
-              <a:rPr lang="fr-FR" sz="1400" b="1" baseline="-25000" dirty="0" smtClean="0">
+              <a:rPr lang="fr-FR" sz="1400" b="1" baseline="-25000" dirty="0">
                 <a:solidFill>
                   <a:schemeClr val="accent4"/>
                 </a:solidFill>
               </a:rPr>
               <a:t>b</a:t>
             </a:r>
-            <a:endParaRPr lang="fr-FR" sz="1400" b="1" baseline="-25000" dirty="0">
-              <a:solidFill>
-                <a:schemeClr val="accent4"/>
-              </a:solidFill>
-            </a:endParaRPr>
           </a:p>
         </p:txBody>
       </p:sp>
-      <mc:AlternateContent xmlns:mc="http://schemas.openxmlformats.org/markup-compatibility/2006">
-        <mc:Choice xmlns:a14="http://schemas.microsoft.com/office/drawing/2010/main" Requires="a14">
+      <mc:AlternateContent xmlns:mc="http://schemas.openxmlformats.org/markup-compatibility/2006" xmlns:a14="http://schemas.microsoft.com/office/drawing/2010/main">
+        <mc:Choice Requires="a14">
           <p:sp>
             <p:nvSpPr>
               <p:cNvPr id="16" name="ZoneTexte 15"/>
@@ -14354,6 +14416,7 @@
               </a:bodyPr>
               <a:lstStyle/>
               <a:p>
+                <a:pPr/>
                 <a14:m>
                   <m:oMathPara xmlns:m="http://schemas.openxmlformats.org/officeDocument/2006/math">
                     <m:oMathParaPr>
@@ -14364,7 +14427,7 @@
                         <m:sSubPr>
                           <m:ctrlPr>
                             <a:rPr lang="fr-FR" sz="1050" b="0" i="1" smtClean="0">
-                              <a:latin typeface="Cambria Math"/>
+                              <a:latin typeface="Cambria Math" panose="02040503050406030204" pitchFamily="18" charset="0"/>
                             </a:rPr>
                           </m:ctrlPr>
                         </m:sSubPr>
@@ -14375,7 +14438,7 @@
                               <m:endChr m:val="}"/>
                               <m:ctrlPr>
                                 <a:rPr lang="fr-FR" sz="1050" i="1" smtClean="0">
-                                  <a:latin typeface="Cambria Math"/>
+                                  <a:latin typeface="Cambria Math" panose="02040503050406030204" pitchFamily="18" charset="0"/>
                                 </a:rPr>
                               </m:ctrlPr>
                             </m:dPr>
@@ -14392,7 +14455,7 @@
                                   </m:mcs>
                                   <m:ctrlPr>
                                     <a:rPr lang="fr-FR" sz="1050" i="1">
-                                      <a:latin typeface="Cambria Math"/>
+                                      <a:latin typeface="Cambria Math" panose="02040503050406030204" pitchFamily="18" charset="0"/>
                                     </a:rPr>
                                   </m:ctrlPr>
                                 </m:mPr>
@@ -14449,7 +14512,7 @@
                                       <m:sSubPr>
                                         <m:ctrlPr>
                                           <a:rPr lang="fr-FR" sz="1050" i="1">
-                                            <a:latin typeface="Cambria Math"/>
+                                            <a:latin typeface="Cambria Math" panose="02040503050406030204" pitchFamily="18" charset="0"/>
                                           </a:rPr>
                                         </m:ctrlPr>
                                       </m:sSubPr>
@@ -14487,7 +14550,7 @@
                             <m:dPr>
                               <m:ctrlPr>
                                 <a:rPr lang="fr-FR" sz="1050" i="1">
-                                  <a:latin typeface="Cambria Math"/>
+                                  <a:latin typeface="Cambria Math" panose="02040503050406030204" pitchFamily="18" charset="0"/>
                                 </a:rPr>
                               </m:ctrlPr>
                             </m:dPr>
@@ -14497,7 +14560,7 @@
                                   <m:chr m:val="⃗"/>
                                   <m:ctrlPr>
                                     <a:rPr lang="fr-FR" sz="1050" i="1">
-                                      <a:latin typeface="Cambria Math"/>
+                                      <a:latin typeface="Cambria Math" panose="02040503050406030204" pitchFamily="18" charset="0"/>
                                     </a:rPr>
                                   </m:ctrlPr>
                                 </m:accPr>
@@ -14521,7 +14584,7 @@
                                   <m:chr m:val="⃗"/>
                                   <m:ctrlPr>
                                     <a:rPr lang="fr-FR" sz="1050" i="1">
-                                      <a:latin typeface="Cambria Math"/>
+                                      <a:latin typeface="Cambria Math" panose="02040503050406030204" pitchFamily="18" charset="0"/>
                                     </a:rPr>
                                   </m:ctrlPr>
                                 </m:accPr>
@@ -14545,7 +14608,7 @@
                                   <m:chr m:val="⃗"/>
                                   <m:ctrlPr>
                                     <a:rPr lang="fr-FR" sz="1050" i="1">
-                                      <a:latin typeface="Cambria Math"/>
+                                      <a:latin typeface="Cambria Math" panose="02040503050406030204" pitchFamily="18" charset="0"/>
                                     </a:rPr>
                                   </m:ctrlPr>
                                 </m:accPr>
@@ -14570,7 +14633,7 @@
             </p:txBody>
           </p:sp>
         </mc:Choice>
-        <mc:Fallback>
+        <mc:Fallback xmlns="">
           <p:sp>
             <p:nvSpPr>
               <p:cNvPr id="16" name="ZoneTexte 15"/>
@@ -14609,8 +14672,8 @@
           </p:sp>
         </mc:Fallback>
       </mc:AlternateContent>
-      <mc:AlternateContent xmlns:mc="http://schemas.openxmlformats.org/markup-compatibility/2006">
-        <mc:Choice xmlns:a14="http://schemas.microsoft.com/office/drawing/2010/main" Requires="a14">
+      <mc:AlternateContent xmlns:mc="http://schemas.openxmlformats.org/markup-compatibility/2006" xmlns:a14="http://schemas.microsoft.com/office/drawing/2010/main">
+        <mc:Choice Requires="a14">
           <p:sp>
             <p:nvSpPr>
               <p:cNvPr id="27" name="ZoneTexte 26"/>
@@ -14633,6 +14696,7 @@
               </a:bodyPr>
               <a:lstStyle/>
               <a:p>
+                <a:pPr/>
                 <a14:m>
                   <m:oMathPara xmlns:m="http://schemas.openxmlformats.org/officeDocument/2006/math">
                     <m:oMathParaPr>
@@ -14643,7 +14707,7 @@
                         <m:sSubPr>
                           <m:ctrlPr>
                             <a:rPr lang="fr-FR" sz="1050" b="0" i="1" smtClean="0">
-                              <a:latin typeface="Cambria Math"/>
+                              <a:latin typeface="Cambria Math" panose="02040503050406030204" pitchFamily="18" charset="0"/>
                             </a:rPr>
                           </m:ctrlPr>
                         </m:sSubPr>
@@ -14654,7 +14718,7 @@
                               <m:endChr m:val="}"/>
                               <m:ctrlPr>
                                 <a:rPr lang="fr-FR" sz="1050" i="1" smtClean="0">
-                                  <a:latin typeface="Cambria Math"/>
+                                  <a:latin typeface="Cambria Math" panose="02040503050406030204" pitchFamily="18" charset="0"/>
                                 </a:rPr>
                               </m:ctrlPr>
                             </m:dPr>
@@ -14671,7 +14735,7 @@
                                   </m:mcs>
                                   <m:ctrlPr>
                                     <a:rPr lang="fr-FR" sz="1050" i="1">
-                                      <a:latin typeface="Cambria Math"/>
+                                      <a:latin typeface="Cambria Math" panose="02040503050406030204" pitchFamily="18" charset="0"/>
                                     </a:rPr>
                                   </m:ctrlPr>
                                 </m:mPr>
@@ -14728,7 +14792,7 @@
                                       <m:sSubPr>
                                         <m:ctrlPr>
                                           <a:rPr lang="fr-FR" sz="1050" i="1">
-                                            <a:latin typeface="Cambria Math"/>
+                                            <a:latin typeface="Cambria Math" panose="02040503050406030204" pitchFamily="18" charset="0"/>
                                           </a:rPr>
                                         </m:ctrlPr>
                                       </m:sSubPr>
@@ -14772,7 +14836,7 @@
                             <m:dPr>
                               <m:ctrlPr>
                                 <a:rPr lang="fr-FR" sz="1050" b="0" i="1" smtClean="0">
-                                  <a:latin typeface="Cambria Math"/>
+                                  <a:latin typeface="Cambria Math" panose="02040503050406030204" pitchFamily="18" charset="0"/>
                                 </a:rPr>
                               </m:ctrlPr>
                             </m:dPr>
@@ -14782,7 +14846,7 @@
                                   <m:chr m:val="⃗"/>
                                   <m:ctrlPr>
                                     <a:rPr lang="fr-FR" sz="1050" i="1">
-                                      <a:latin typeface="Cambria Math"/>
+                                      <a:latin typeface="Cambria Math" panose="02040503050406030204" pitchFamily="18" charset="0"/>
                                     </a:rPr>
                                   </m:ctrlPr>
                                 </m:accPr>
@@ -14806,7 +14870,7 @@
                                   <m:chr m:val="⃗"/>
                                   <m:ctrlPr>
                                     <a:rPr lang="fr-FR" sz="1050" i="1">
-                                      <a:latin typeface="Cambria Math"/>
+                                      <a:latin typeface="Cambria Math" panose="02040503050406030204" pitchFamily="18" charset="0"/>
                                     </a:rPr>
                                   </m:ctrlPr>
                                 </m:accPr>
@@ -14830,7 +14894,7 @@
                                   <m:chr m:val="⃗"/>
                                   <m:ctrlPr>
                                     <a:rPr lang="fr-FR" sz="1050" i="1">
-                                      <a:latin typeface="Cambria Math"/>
+                                      <a:latin typeface="Cambria Math" panose="02040503050406030204" pitchFamily="18" charset="0"/>
                                     </a:rPr>
                                   </m:ctrlPr>
                                 </m:accPr>
@@ -14855,7 +14919,7 @@
             </p:txBody>
           </p:sp>
         </mc:Choice>
-        <mc:Fallback>
+        <mc:Fallback xmlns="">
           <p:sp>
             <p:nvSpPr>
               <p:cNvPr id="27" name="ZoneTexte 26"/>
@@ -14876,6 +14940,1450 @@
                 <a:blip r:embed="rId6"/>
                 <a:stretch>
                   <a:fillRect/>
+                </a:stretch>
+              </a:blipFill>
+            </p:spPr>
+            <p:txBody>
+              <a:bodyPr/>
+              <a:lstStyle/>
+              <a:p>
+                <a:r>
+                  <a:rPr lang="fr-FR">
+                    <a:noFill/>
+                  </a:rPr>
+                  <a:t> </a:t>
+                </a:r>
+              </a:p>
+            </p:txBody>
+          </p:sp>
+        </mc:Fallback>
+      </mc:AlternateContent>
+      <p:pic>
+        <p:nvPicPr>
+          <p:cNvPr id="17" name="Image 16">
+            <a:extLst>
+              <a:ext uri="{FF2B5EF4-FFF2-40B4-BE49-F238E27FC236}">
+                <a16:creationId xmlns:a16="http://schemas.microsoft.com/office/drawing/2014/main" id="{F025C41A-F0E3-485C-B193-FF2B5A33C010}"/>
+              </a:ext>
+            </a:extLst>
+          </p:cNvPr>
+          <p:cNvPicPr>
+            <a:picLocks noChangeAspect="1"/>
+          </p:cNvPicPr>
+          <p:nvPr/>
+        </p:nvPicPr>
+        <p:blipFill>
+          <a:blip r:embed="rId7" cstate="print">
+            <a:extLst>
+              <a:ext uri="{28A0092B-C50C-407E-A947-70E740481C1C}">
+                <a14:useLocalDpi xmlns:a14="http://schemas.microsoft.com/office/drawing/2010/main" val="0"/>
+              </a:ext>
+            </a:extLst>
+          </a:blip>
+          <a:stretch>
+            <a:fillRect/>
+          </a:stretch>
+        </p:blipFill>
+        <p:spPr>
+          <a:xfrm>
+            <a:off x="1719091" y="2889111"/>
+            <a:ext cx="2283777" cy="1227837"/>
+          </a:xfrm>
+          <a:prstGeom prst="rect">
+            <a:avLst/>
+          </a:prstGeom>
+        </p:spPr>
+      </p:pic>
+      <p:sp>
+        <p:nvSpPr>
+          <p:cNvPr id="24" name="Ellipse 23">
+            <a:extLst>
+              <a:ext uri="{FF2B5EF4-FFF2-40B4-BE49-F238E27FC236}">
+                <a16:creationId xmlns:a16="http://schemas.microsoft.com/office/drawing/2014/main" id="{4F212A61-5800-4823-8655-3647D93248BD}"/>
+              </a:ext>
+            </a:extLst>
+          </p:cNvPr>
+          <p:cNvSpPr/>
+          <p:nvPr/>
+        </p:nvSpPr>
+        <p:spPr>
+          <a:xfrm>
+            <a:off x="5148064" y="3284984"/>
+            <a:ext cx="288032" cy="288032"/>
+          </a:xfrm>
+          <a:prstGeom prst="ellipse">
+            <a:avLst/>
+          </a:prstGeom>
+          <a:solidFill>
+            <a:schemeClr val="accent4">
+              <a:lumMod val="20000"/>
+              <a:lumOff val="80000"/>
+            </a:schemeClr>
+          </a:solidFill>
+          <a:ln w="19050">
+            <a:solidFill>
+              <a:schemeClr val="accent4">
+                <a:lumMod val="75000"/>
+              </a:schemeClr>
+            </a:solidFill>
+          </a:ln>
+        </p:spPr>
+        <p:style>
+          <a:lnRef idx="2">
+            <a:schemeClr val="accent1">
+              <a:shade val="50000"/>
+            </a:schemeClr>
+          </a:lnRef>
+          <a:fillRef idx="1">
+            <a:schemeClr val="accent1"/>
+          </a:fillRef>
+          <a:effectRef idx="0">
+            <a:schemeClr val="accent1"/>
+          </a:effectRef>
+          <a:fontRef idx="minor">
+            <a:schemeClr val="lt1"/>
+          </a:fontRef>
+        </p:style>
+        <p:txBody>
+          <a:bodyPr rtlCol="0" anchor="ctr"/>
+          <a:lstStyle/>
+          <a:p>
+            <a:pPr algn="ctr"/>
+            <a:r>
+              <a:rPr lang="fr-FR" sz="1400" b="1" dirty="0">
+                <a:solidFill>
+                  <a:schemeClr val="accent4">
+                    <a:lumMod val="75000"/>
+                  </a:schemeClr>
+                </a:solidFill>
+              </a:rPr>
+              <a:t>4</a:t>
+            </a:r>
+          </a:p>
+        </p:txBody>
+      </p:sp>
+      <p:sp>
+        <p:nvSpPr>
+          <p:cNvPr id="30" name="Ellipse 29">
+            <a:extLst>
+              <a:ext uri="{FF2B5EF4-FFF2-40B4-BE49-F238E27FC236}">
+                <a16:creationId xmlns:a16="http://schemas.microsoft.com/office/drawing/2014/main" id="{AD546FAF-DA52-4EC5-9BB1-08817A52C215}"/>
+              </a:ext>
+            </a:extLst>
+          </p:cNvPr>
+          <p:cNvSpPr/>
+          <p:nvPr/>
+        </p:nvSpPr>
+        <p:spPr>
+          <a:xfrm>
+            <a:off x="5148064" y="4725144"/>
+            <a:ext cx="288032" cy="288032"/>
+          </a:xfrm>
+          <a:prstGeom prst="ellipse">
+            <a:avLst/>
+          </a:prstGeom>
+          <a:solidFill>
+            <a:schemeClr val="accent4">
+              <a:lumMod val="20000"/>
+              <a:lumOff val="80000"/>
+            </a:schemeClr>
+          </a:solidFill>
+          <a:ln w="19050">
+            <a:solidFill>
+              <a:schemeClr val="accent4">
+                <a:lumMod val="75000"/>
+              </a:schemeClr>
+            </a:solidFill>
+          </a:ln>
+        </p:spPr>
+        <p:style>
+          <a:lnRef idx="2">
+            <a:schemeClr val="accent1">
+              <a:shade val="50000"/>
+            </a:schemeClr>
+          </a:lnRef>
+          <a:fillRef idx="1">
+            <a:schemeClr val="accent1"/>
+          </a:fillRef>
+          <a:effectRef idx="0">
+            <a:schemeClr val="accent1"/>
+          </a:effectRef>
+          <a:fontRef idx="minor">
+            <a:schemeClr val="lt1"/>
+          </a:fontRef>
+        </p:style>
+        <p:txBody>
+          <a:bodyPr rtlCol="0" anchor="ctr"/>
+          <a:lstStyle/>
+          <a:p>
+            <a:pPr algn="ctr"/>
+            <a:r>
+              <a:rPr lang="fr-FR" sz="1400" b="1" dirty="0">
+                <a:solidFill>
+                  <a:schemeClr val="accent4">
+                    <a:lumMod val="75000"/>
+                  </a:schemeClr>
+                </a:solidFill>
+              </a:rPr>
+              <a:t>5</a:t>
+            </a:r>
+          </a:p>
+        </p:txBody>
+      </p:sp>
+      <p:cxnSp>
+        <p:nvCxnSpPr>
+          <p:cNvPr id="9" name="Connecteur droit 8">
+            <a:extLst>
+              <a:ext uri="{FF2B5EF4-FFF2-40B4-BE49-F238E27FC236}">
+                <a16:creationId xmlns:a16="http://schemas.microsoft.com/office/drawing/2014/main" id="{3E727FF1-F027-4A4C-9C2D-B0CA315CF02F}"/>
+              </a:ext>
+            </a:extLst>
+          </p:cNvPr>
+          <p:cNvCxnSpPr>
+            <a:stCxn id="24" idx="4"/>
+            <a:endCxn id="30" idx="0"/>
+          </p:cNvCxnSpPr>
+          <p:nvPr/>
+        </p:nvCxnSpPr>
+        <p:spPr>
+          <a:xfrm>
+            <a:off x="5292080" y="3573016"/>
+            <a:ext cx="0" cy="1152128"/>
+          </a:xfrm>
+          <a:prstGeom prst="line">
+            <a:avLst/>
+          </a:prstGeom>
+          <a:solidFill>
+            <a:schemeClr val="accent4">
+              <a:lumMod val="20000"/>
+              <a:lumOff val="80000"/>
+            </a:schemeClr>
+          </a:solidFill>
+          <a:ln w="19050">
+            <a:solidFill>
+              <a:schemeClr val="accent4">
+                <a:lumMod val="75000"/>
+              </a:schemeClr>
+            </a:solidFill>
+          </a:ln>
+        </p:spPr>
+        <p:style>
+          <a:lnRef idx="2">
+            <a:schemeClr val="accent1">
+              <a:shade val="50000"/>
+            </a:schemeClr>
+          </a:lnRef>
+          <a:fillRef idx="1">
+            <a:schemeClr val="accent1"/>
+          </a:fillRef>
+          <a:effectRef idx="0">
+            <a:schemeClr val="accent1"/>
+          </a:effectRef>
+          <a:fontRef idx="minor">
+            <a:schemeClr val="lt1"/>
+          </a:fontRef>
+        </p:style>
+      </p:cxnSp>
+      <p:cxnSp>
+        <p:nvCxnSpPr>
+          <p:cNvPr id="33" name="Connecteur droit 32">
+            <a:extLst>
+              <a:ext uri="{FF2B5EF4-FFF2-40B4-BE49-F238E27FC236}">
+                <a16:creationId xmlns:a16="http://schemas.microsoft.com/office/drawing/2014/main" id="{06CB0288-E3B7-48D7-8FCF-EF5BE2DC4A6D}"/>
+              </a:ext>
+            </a:extLst>
+          </p:cNvPr>
+          <p:cNvCxnSpPr>
+            <a:cxnSpLocks/>
+            <a:stCxn id="24" idx="6"/>
+            <a:endCxn id="25" idx="2"/>
+          </p:cNvCxnSpPr>
+          <p:nvPr/>
+        </p:nvCxnSpPr>
+        <p:spPr>
+          <a:xfrm>
+            <a:off x="5436096" y="3429000"/>
+            <a:ext cx="1152128" cy="0"/>
+          </a:xfrm>
+          <a:prstGeom prst="line">
+            <a:avLst/>
+          </a:prstGeom>
+          <a:solidFill>
+            <a:schemeClr val="accent4">
+              <a:lumMod val="20000"/>
+              <a:lumOff val="80000"/>
+            </a:schemeClr>
+          </a:solidFill>
+          <a:ln w="19050">
+            <a:solidFill>
+              <a:schemeClr val="accent4">
+                <a:lumMod val="75000"/>
+              </a:schemeClr>
+            </a:solidFill>
+          </a:ln>
+        </p:spPr>
+        <p:style>
+          <a:lnRef idx="2">
+            <a:schemeClr val="accent1">
+              <a:shade val="50000"/>
+            </a:schemeClr>
+          </a:lnRef>
+          <a:fillRef idx="1">
+            <a:schemeClr val="accent1"/>
+          </a:fillRef>
+          <a:effectRef idx="0">
+            <a:schemeClr val="accent1"/>
+          </a:effectRef>
+          <a:fontRef idx="minor">
+            <a:schemeClr val="lt1"/>
+          </a:fontRef>
+        </p:style>
+      </p:cxnSp>
+      <p:cxnSp>
+        <p:nvCxnSpPr>
+          <p:cNvPr id="35" name="Connecteur droit 34">
+            <a:extLst>
+              <a:ext uri="{FF2B5EF4-FFF2-40B4-BE49-F238E27FC236}">
+                <a16:creationId xmlns:a16="http://schemas.microsoft.com/office/drawing/2014/main" id="{A61CE70E-53FA-4118-9DEF-F04EA875F704}"/>
+              </a:ext>
+            </a:extLst>
+          </p:cNvPr>
+          <p:cNvCxnSpPr>
+            <a:cxnSpLocks/>
+          </p:cNvCxnSpPr>
+          <p:nvPr/>
+        </p:nvCxnSpPr>
+        <p:spPr>
+          <a:xfrm>
+            <a:off x="6732240" y="3429000"/>
+            <a:ext cx="936103" cy="720080"/>
+          </a:xfrm>
+          <a:prstGeom prst="line">
+            <a:avLst/>
+          </a:prstGeom>
+          <a:solidFill>
+            <a:schemeClr val="accent4">
+              <a:lumMod val="20000"/>
+              <a:lumOff val="80000"/>
+            </a:schemeClr>
+          </a:solidFill>
+          <a:ln w="19050">
+            <a:solidFill>
+              <a:schemeClr val="accent4">
+                <a:lumMod val="75000"/>
+              </a:schemeClr>
+            </a:solidFill>
+          </a:ln>
+        </p:spPr>
+        <p:style>
+          <a:lnRef idx="2">
+            <a:schemeClr val="accent1">
+              <a:shade val="50000"/>
+            </a:schemeClr>
+          </a:lnRef>
+          <a:fillRef idx="1">
+            <a:schemeClr val="accent1"/>
+          </a:fillRef>
+          <a:effectRef idx="0">
+            <a:schemeClr val="accent1"/>
+          </a:effectRef>
+          <a:fontRef idx="minor">
+            <a:schemeClr val="lt1"/>
+          </a:fontRef>
+        </p:style>
+      </p:cxnSp>
+      <p:cxnSp>
+        <p:nvCxnSpPr>
+          <p:cNvPr id="39" name="Connecteur droit 38">
+            <a:extLst>
+              <a:ext uri="{FF2B5EF4-FFF2-40B4-BE49-F238E27FC236}">
+                <a16:creationId xmlns:a16="http://schemas.microsoft.com/office/drawing/2014/main" id="{565D5D02-A4C2-4BCD-9C7C-014D7648B923}"/>
+              </a:ext>
+            </a:extLst>
+          </p:cNvPr>
+          <p:cNvCxnSpPr>
+            <a:cxnSpLocks/>
+          </p:cNvCxnSpPr>
+          <p:nvPr/>
+        </p:nvCxnSpPr>
+        <p:spPr>
+          <a:xfrm flipV="1">
+            <a:off x="6732240" y="4149080"/>
+            <a:ext cx="936103" cy="720080"/>
+          </a:xfrm>
+          <a:prstGeom prst="line">
+            <a:avLst/>
+          </a:prstGeom>
+          <a:solidFill>
+            <a:schemeClr val="accent4">
+              <a:lumMod val="20000"/>
+              <a:lumOff val="80000"/>
+            </a:schemeClr>
+          </a:solidFill>
+          <a:ln w="19050">
+            <a:solidFill>
+              <a:schemeClr val="accent4">
+                <a:lumMod val="75000"/>
+              </a:schemeClr>
+            </a:solidFill>
+          </a:ln>
+        </p:spPr>
+        <p:style>
+          <a:lnRef idx="2">
+            <a:schemeClr val="accent1">
+              <a:shade val="50000"/>
+            </a:schemeClr>
+          </a:lnRef>
+          <a:fillRef idx="1">
+            <a:schemeClr val="accent1"/>
+          </a:fillRef>
+          <a:effectRef idx="0">
+            <a:schemeClr val="accent1"/>
+          </a:effectRef>
+          <a:fontRef idx="minor">
+            <a:schemeClr val="lt1"/>
+          </a:fontRef>
+        </p:style>
+      </p:cxnSp>
+      <p:cxnSp>
+        <p:nvCxnSpPr>
+          <p:cNvPr id="46" name="Connecteur droit 45">
+            <a:extLst>
+              <a:ext uri="{FF2B5EF4-FFF2-40B4-BE49-F238E27FC236}">
+                <a16:creationId xmlns:a16="http://schemas.microsoft.com/office/drawing/2014/main" id="{6BD74FC2-4519-4E56-92E0-B34ADED4766D}"/>
+              </a:ext>
+            </a:extLst>
+          </p:cNvPr>
+          <p:cNvCxnSpPr>
+            <a:cxnSpLocks/>
+            <a:stCxn id="32" idx="2"/>
+            <a:endCxn id="30" idx="6"/>
+          </p:cNvCxnSpPr>
+          <p:nvPr/>
+        </p:nvCxnSpPr>
+        <p:spPr>
+          <a:xfrm flipH="1">
+            <a:off x="5436096" y="4869160"/>
+            <a:ext cx="1152128" cy="0"/>
+          </a:xfrm>
+          <a:prstGeom prst="line">
+            <a:avLst/>
+          </a:prstGeom>
+          <a:solidFill>
+            <a:schemeClr val="accent4">
+              <a:lumMod val="20000"/>
+              <a:lumOff val="80000"/>
+            </a:schemeClr>
+          </a:solidFill>
+          <a:ln w="19050">
+            <a:solidFill>
+              <a:schemeClr val="accent4">
+                <a:lumMod val="75000"/>
+              </a:schemeClr>
+            </a:solidFill>
+          </a:ln>
+        </p:spPr>
+        <p:style>
+          <a:lnRef idx="2">
+            <a:schemeClr val="accent1">
+              <a:shade val="50000"/>
+            </a:schemeClr>
+          </a:lnRef>
+          <a:fillRef idx="1">
+            <a:schemeClr val="accent1"/>
+          </a:fillRef>
+          <a:effectRef idx="0">
+            <a:schemeClr val="accent1"/>
+          </a:effectRef>
+          <a:fontRef idx="minor">
+            <a:schemeClr val="lt1"/>
+          </a:fontRef>
+        </p:style>
+      </p:cxnSp>
+      <p:sp>
+        <p:nvSpPr>
+          <p:cNvPr id="25" name="Ellipse 24">
+            <a:extLst>
+              <a:ext uri="{FF2B5EF4-FFF2-40B4-BE49-F238E27FC236}">
+                <a16:creationId xmlns:a16="http://schemas.microsoft.com/office/drawing/2014/main" id="{E025AEA0-7529-4DBA-82A2-CBF40ADC74E8}"/>
+              </a:ext>
+            </a:extLst>
+          </p:cNvPr>
+          <p:cNvSpPr/>
+          <p:nvPr/>
+        </p:nvSpPr>
+        <p:spPr>
+          <a:xfrm>
+            <a:off x="6588224" y="3284984"/>
+            <a:ext cx="288032" cy="288032"/>
+          </a:xfrm>
+          <a:prstGeom prst="ellipse">
+            <a:avLst/>
+          </a:prstGeom>
+          <a:solidFill>
+            <a:schemeClr val="accent4">
+              <a:lumMod val="20000"/>
+              <a:lumOff val="80000"/>
+            </a:schemeClr>
+          </a:solidFill>
+          <a:ln w="19050">
+            <a:solidFill>
+              <a:schemeClr val="accent4">
+                <a:lumMod val="75000"/>
+              </a:schemeClr>
+            </a:solidFill>
+          </a:ln>
+        </p:spPr>
+        <p:style>
+          <a:lnRef idx="2">
+            <a:schemeClr val="accent1">
+              <a:shade val="50000"/>
+            </a:schemeClr>
+          </a:lnRef>
+          <a:fillRef idx="1">
+            <a:schemeClr val="accent1"/>
+          </a:fillRef>
+          <a:effectRef idx="0">
+            <a:schemeClr val="accent1"/>
+          </a:effectRef>
+          <a:fontRef idx="minor">
+            <a:schemeClr val="lt1"/>
+          </a:fontRef>
+        </p:style>
+        <p:txBody>
+          <a:bodyPr rtlCol="0" anchor="ctr"/>
+          <a:lstStyle/>
+          <a:p>
+            <a:pPr algn="ctr"/>
+            <a:r>
+              <a:rPr lang="fr-FR" sz="1400" b="1" dirty="0">
+                <a:solidFill>
+                  <a:schemeClr val="accent4">
+                    <a:lumMod val="75000"/>
+                  </a:schemeClr>
+                </a:solidFill>
+              </a:rPr>
+              <a:t>3</a:t>
+            </a:r>
+          </a:p>
+        </p:txBody>
+      </p:sp>
+      <p:sp>
+        <p:nvSpPr>
+          <p:cNvPr id="26" name="Ellipse 25">
+            <a:extLst>
+              <a:ext uri="{FF2B5EF4-FFF2-40B4-BE49-F238E27FC236}">
+                <a16:creationId xmlns:a16="http://schemas.microsoft.com/office/drawing/2014/main" id="{2DBB75C4-8D06-43DE-9AD8-95B238103ACF}"/>
+              </a:ext>
+            </a:extLst>
+          </p:cNvPr>
+          <p:cNvSpPr/>
+          <p:nvPr/>
+        </p:nvSpPr>
+        <p:spPr>
+          <a:xfrm>
+            <a:off x="7524328" y="4005064"/>
+            <a:ext cx="288032" cy="288032"/>
+          </a:xfrm>
+          <a:prstGeom prst="ellipse">
+            <a:avLst/>
+          </a:prstGeom>
+          <a:solidFill>
+            <a:schemeClr val="accent4">
+              <a:lumMod val="20000"/>
+              <a:lumOff val="80000"/>
+            </a:schemeClr>
+          </a:solidFill>
+          <a:ln w="19050">
+            <a:solidFill>
+              <a:schemeClr val="accent4">
+                <a:lumMod val="75000"/>
+              </a:schemeClr>
+            </a:solidFill>
+          </a:ln>
+        </p:spPr>
+        <p:style>
+          <a:lnRef idx="2">
+            <a:schemeClr val="accent1">
+              <a:shade val="50000"/>
+            </a:schemeClr>
+          </a:lnRef>
+          <a:fillRef idx="1">
+            <a:schemeClr val="accent1"/>
+          </a:fillRef>
+          <a:effectRef idx="0">
+            <a:schemeClr val="accent1"/>
+          </a:effectRef>
+          <a:fontRef idx="minor">
+            <a:schemeClr val="lt1"/>
+          </a:fontRef>
+        </p:style>
+        <p:txBody>
+          <a:bodyPr rtlCol="0" anchor="ctr"/>
+          <a:lstStyle/>
+          <a:p>
+            <a:pPr algn="ctr"/>
+            <a:r>
+              <a:rPr lang="fr-FR" sz="1400" b="1" dirty="0">
+                <a:solidFill>
+                  <a:schemeClr val="accent4">
+                    <a:lumMod val="75000"/>
+                  </a:schemeClr>
+                </a:solidFill>
+              </a:rPr>
+              <a:t>2</a:t>
+            </a:r>
+          </a:p>
+        </p:txBody>
+      </p:sp>
+      <p:sp>
+        <p:nvSpPr>
+          <p:cNvPr id="32" name="Ellipse 31">
+            <a:extLst>
+              <a:ext uri="{FF2B5EF4-FFF2-40B4-BE49-F238E27FC236}">
+                <a16:creationId xmlns:a16="http://schemas.microsoft.com/office/drawing/2014/main" id="{90F2D137-D5FA-45B9-ABBB-AC22CF3DCC11}"/>
+              </a:ext>
+            </a:extLst>
+          </p:cNvPr>
+          <p:cNvSpPr/>
+          <p:nvPr/>
+        </p:nvSpPr>
+        <p:spPr>
+          <a:xfrm>
+            <a:off x="6588224" y="4725144"/>
+            <a:ext cx="288032" cy="288032"/>
+          </a:xfrm>
+          <a:prstGeom prst="ellipse">
+            <a:avLst/>
+          </a:prstGeom>
+          <a:solidFill>
+            <a:schemeClr val="accent4">
+              <a:lumMod val="20000"/>
+              <a:lumOff val="80000"/>
+            </a:schemeClr>
+          </a:solidFill>
+          <a:ln w="19050">
+            <a:solidFill>
+              <a:schemeClr val="accent4">
+                <a:lumMod val="75000"/>
+              </a:schemeClr>
+            </a:solidFill>
+          </a:ln>
+        </p:spPr>
+        <p:style>
+          <a:lnRef idx="2">
+            <a:schemeClr val="accent1">
+              <a:shade val="50000"/>
+            </a:schemeClr>
+          </a:lnRef>
+          <a:fillRef idx="1">
+            <a:schemeClr val="accent1"/>
+          </a:fillRef>
+          <a:effectRef idx="0">
+            <a:schemeClr val="accent1"/>
+          </a:effectRef>
+          <a:fontRef idx="minor">
+            <a:schemeClr val="lt1"/>
+          </a:fontRef>
+        </p:style>
+        <p:txBody>
+          <a:bodyPr rtlCol="0" anchor="ctr"/>
+          <a:lstStyle/>
+          <a:p>
+            <a:pPr algn="ctr"/>
+            <a:r>
+              <a:rPr lang="fr-FR" sz="1400" b="1" dirty="0">
+                <a:solidFill>
+                  <a:schemeClr val="accent4">
+                    <a:lumMod val="75000"/>
+                  </a:schemeClr>
+                </a:solidFill>
+              </a:rPr>
+              <a:t>1</a:t>
+            </a:r>
+          </a:p>
+        </p:txBody>
+      </p:sp>
+      <mc:AlternateContent xmlns:mc="http://schemas.openxmlformats.org/markup-compatibility/2006">
+        <mc:Choice xmlns:a14="http://schemas.microsoft.com/office/drawing/2010/main" Requires="a14">
+          <p:sp>
+            <p:nvSpPr>
+              <p:cNvPr id="60" name="ZoneTexte 59">
+                <a:extLst>
+                  <a:ext uri="{FF2B5EF4-FFF2-40B4-BE49-F238E27FC236}">
+                    <a16:creationId xmlns:a16="http://schemas.microsoft.com/office/drawing/2014/main" id="{AFAB543C-649B-44A7-9BE5-BE90FB60497B}"/>
+                  </a:ext>
+                </a:extLst>
+              </p:cNvPr>
+              <p:cNvSpPr txBox="1"/>
+              <p:nvPr/>
+            </p:nvSpPr>
+            <p:spPr>
+              <a:xfrm>
+                <a:off x="5886869" y="3172422"/>
+                <a:ext cx="250581" cy="246221"/>
+              </a:xfrm>
+              <a:prstGeom prst="rect">
+                <a:avLst/>
+              </a:prstGeom>
+              <a:noFill/>
+            </p:spPr>
+            <p:txBody>
+              <a:bodyPr wrap="none" lIns="0" tIns="0" rIns="0" bIns="0" rtlCol="0">
+                <a:spAutoFit/>
+              </a:bodyPr>
+              <a:lstStyle/>
+              <a:p>
+                <a14:m>
+                  <m:oMathPara xmlns:m="http://schemas.openxmlformats.org/officeDocument/2006/math">
+                    <m:oMathParaPr>
+                      <m:jc m:val="centerGroup"/>
+                    </m:oMathParaPr>
+                    <m:oMath xmlns:m="http://schemas.openxmlformats.org/officeDocument/2006/math">
+                      <m:sSub>
+                        <m:sSubPr>
+                          <m:ctrlPr>
+                            <a:rPr lang="fr-FR" sz="1600" b="0" i="1" smtClean="0">
+                              <a:latin typeface="Cambria Math" panose="02040503050406030204" pitchFamily="18" charset="0"/>
+                            </a:rPr>
+                          </m:ctrlPr>
+                        </m:sSubPr>
+                        <m:e>
+                          <m:r>
+                            <a:rPr lang="fr-FR" sz="1600" b="0" i="1" smtClean="0">
+                              <a:latin typeface="Cambria Math" panose="02040503050406030204" pitchFamily="18" charset="0"/>
+                            </a:rPr>
+                            <m:t>𝐿</m:t>
+                          </m:r>
+                        </m:e>
+                        <m:sub>
+                          <m:r>
+                            <a:rPr lang="fr-FR" sz="1600" b="0" i="1" smtClean="0">
+                              <a:latin typeface="Cambria Math" panose="02040503050406030204" pitchFamily="18" charset="0"/>
+                            </a:rPr>
+                            <m:t>5</m:t>
+                          </m:r>
+                        </m:sub>
+                      </m:sSub>
+                    </m:oMath>
+                  </m:oMathPara>
+                </a14:m>
+                <a:endParaRPr lang="fr-FR" sz="1600" dirty="0"/>
+              </a:p>
+            </p:txBody>
+          </p:sp>
+        </mc:Choice>
+        <mc:Fallback>
+          <p:sp>
+            <p:nvSpPr>
+              <p:cNvPr id="60" name="ZoneTexte 59">
+                <a:extLst>
+                  <a:ext uri="{FF2B5EF4-FFF2-40B4-BE49-F238E27FC236}">
+                    <a16:creationId xmlns:a16="http://schemas.microsoft.com/office/drawing/2014/main" id="{AFAB543C-649B-44A7-9BE5-BE90FB60497B}"/>
+                  </a:ext>
+                </a:extLst>
+              </p:cNvPr>
+              <p:cNvSpPr txBox="1">
+                <a:spLocks noRot="1" noChangeAspect="1" noMove="1" noResize="1" noEditPoints="1" noAdjustHandles="1" noChangeArrowheads="1" noChangeShapeType="1" noTextEdit="1"/>
+              </p:cNvSpPr>
+              <p:nvPr/>
+            </p:nvSpPr>
+            <p:spPr>
+              <a:xfrm>
+                <a:off x="5886869" y="3172422"/>
+                <a:ext cx="250581" cy="246221"/>
+              </a:xfrm>
+              <a:prstGeom prst="rect">
+                <a:avLst/>
+              </a:prstGeom>
+              <a:blipFill>
+                <a:blip r:embed="rId8"/>
+                <a:stretch>
+                  <a:fillRect l="-19512" r="-7317" b="-14634"/>
+                </a:stretch>
+              </a:blipFill>
+            </p:spPr>
+            <p:txBody>
+              <a:bodyPr/>
+              <a:lstStyle/>
+              <a:p>
+                <a:r>
+                  <a:rPr lang="fr-FR">
+                    <a:noFill/>
+                  </a:rPr>
+                  <a:t> </a:t>
+                </a:r>
+              </a:p>
+            </p:txBody>
+          </p:sp>
+        </mc:Fallback>
+      </mc:AlternateContent>
+      <mc:AlternateContent xmlns:mc="http://schemas.openxmlformats.org/markup-compatibility/2006">
+        <mc:Choice xmlns:a14="http://schemas.microsoft.com/office/drawing/2010/main" Requires="a14">
+          <p:sp>
+            <p:nvSpPr>
+              <p:cNvPr id="61" name="ZoneTexte 60">
+                <a:extLst>
+                  <a:ext uri="{FF2B5EF4-FFF2-40B4-BE49-F238E27FC236}">
+                    <a16:creationId xmlns:a16="http://schemas.microsoft.com/office/drawing/2014/main" id="{5552B279-0E07-46AA-A365-AAAA8C61D8C0}"/>
+                  </a:ext>
+                </a:extLst>
+              </p:cNvPr>
+              <p:cNvSpPr txBox="1"/>
+              <p:nvPr/>
+            </p:nvSpPr>
+            <p:spPr>
+              <a:xfrm>
+                <a:off x="5892055" y="4602226"/>
+                <a:ext cx="250581" cy="246221"/>
+              </a:xfrm>
+              <a:prstGeom prst="rect">
+                <a:avLst/>
+              </a:prstGeom>
+              <a:noFill/>
+            </p:spPr>
+            <p:txBody>
+              <a:bodyPr wrap="none" lIns="0" tIns="0" rIns="0" bIns="0" rtlCol="0">
+                <a:spAutoFit/>
+              </a:bodyPr>
+              <a:lstStyle/>
+              <a:p>
+                <a14:m>
+                  <m:oMathPara xmlns:m="http://schemas.openxmlformats.org/officeDocument/2006/math">
+                    <m:oMathParaPr>
+                      <m:jc m:val="centerGroup"/>
+                    </m:oMathParaPr>
+                    <m:oMath xmlns:m="http://schemas.openxmlformats.org/officeDocument/2006/math">
+                      <m:sSub>
+                        <m:sSubPr>
+                          <m:ctrlPr>
+                            <a:rPr lang="fr-FR" sz="1600" b="0" i="1" smtClean="0">
+                              <a:latin typeface="Cambria Math" panose="02040503050406030204" pitchFamily="18" charset="0"/>
+                            </a:rPr>
+                          </m:ctrlPr>
+                        </m:sSubPr>
+                        <m:e>
+                          <m:r>
+                            <a:rPr lang="fr-FR" sz="1600" b="0" i="1" smtClean="0">
+                              <a:latin typeface="Cambria Math" panose="02040503050406030204" pitchFamily="18" charset="0"/>
+                            </a:rPr>
+                            <m:t>𝐿</m:t>
+                          </m:r>
+                        </m:e>
+                        <m:sub>
+                          <m:r>
+                            <a:rPr lang="fr-FR" sz="1600" b="0" i="1" smtClean="0">
+                              <a:latin typeface="Cambria Math" panose="02040503050406030204" pitchFamily="18" charset="0"/>
+                            </a:rPr>
+                            <m:t>7</m:t>
+                          </m:r>
+                        </m:sub>
+                      </m:sSub>
+                    </m:oMath>
+                  </m:oMathPara>
+                </a14:m>
+                <a:endParaRPr lang="fr-FR" sz="1600" dirty="0"/>
+              </a:p>
+            </p:txBody>
+          </p:sp>
+        </mc:Choice>
+        <mc:Fallback>
+          <p:sp>
+            <p:nvSpPr>
+              <p:cNvPr id="61" name="ZoneTexte 60">
+                <a:extLst>
+                  <a:ext uri="{FF2B5EF4-FFF2-40B4-BE49-F238E27FC236}">
+                    <a16:creationId xmlns:a16="http://schemas.microsoft.com/office/drawing/2014/main" id="{5552B279-0E07-46AA-A365-AAAA8C61D8C0}"/>
+                  </a:ext>
+                </a:extLst>
+              </p:cNvPr>
+              <p:cNvSpPr txBox="1">
+                <a:spLocks noRot="1" noChangeAspect="1" noMove="1" noResize="1" noEditPoints="1" noAdjustHandles="1" noChangeArrowheads="1" noChangeShapeType="1" noTextEdit="1"/>
+              </p:cNvSpPr>
+              <p:nvPr/>
+            </p:nvSpPr>
+            <p:spPr>
+              <a:xfrm>
+                <a:off x="5892055" y="4602226"/>
+                <a:ext cx="250581" cy="246221"/>
+              </a:xfrm>
+              <a:prstGeom prst="rect">
+                <a:avLst/>
+              </a:prstGeom>
+              <a:blipFill>
+                <a:blip r:embed="rId9"/>
+                <a:stretch>
+                  <a:fillRect l="-19512" r="-7317" b="-15000"/>
+                </a:stretch>
+              </a:blipFill>
+            </p:spPr>
+            <p:txBody>
+              <a:bodyPr/>
+              <a:lstStyle/>
+              <a:p>
+                <a:r>
+                  <a:rPr lang="fr-FR">
+                    <a:noFill/>
+                  </a:rPr>
+                  <a:t> </a:t>
+                </a:r>
+              </a:p>
+            </p:txBody>
+          </p:sp>
+        </mc:Fallback>
+      </mc:AlternateContent>
+      <mc:AlternateContent xmlns:mc="http://schemas.openxmlformats.org/markup-compatibility/2006">
+        <mc:Choice xmlns:a14="http://schemas.microsoft.com/office/drawing/2010/main" Requires="a14">
+          <p:sp>
+            <p:nvSpPr>
+              <p:cNvPr id="62" name="ZoneTexte 61">
+                <a:extLst>
+                  <a:ext uri="{FF2B5EF4-FFF2-40B4-BE49-F238E27FC236}">
+                    <a16:creationId xmlns:a16="http://schemas.microsoft.com/office/drawing/2014/main" id="{767D75D4-ACDB-4F5A-BA86-8182CC142800}"/>
+                  </a:ext>
+                </a:extLst>
+              </p:cNvPr>
+              <p:cNvSpPr txBox="1"/>
+              <p:nvPr/>
+            </p:nvSpPr>
+            <p:spPr>
+              <a:xfrm>
+                <a:off x="5310805" y="4025969"/>
+                <a:ext cx="250581" cy="246221"/>
+              </a:xfrm>
+              <a:prstGeom prst="rect">
+                <a:avLst/>
+              </a:prstGeom>
+              <a:noFill/>
+            </p:spPr>
+            <p:txBody>
+              <a:bodyPr wrap="none" lIns="0" tIns="0" rIns="0" bIns="0" rtlCol="0">
+                <a:spAutoFit/>
+              </a:bodyPr>
+              <a:lstStyle/>
+              <a:p>
+                <a14:m>
+                  <m:oMathPara xmlns:m="http://schemas.openxmlformats.org/officeDocument/2006/math">
+                    <m:oMathParaPr>
+                      <m:jc m:val="centerGroup"/>
+                    </m:oMathParaPr>
+                    <m:oMath xmlns:m="http://schemas.openxmlformats.org/officeDocument/2006/math">
+                      <m:sSub>
+                        <m:sSubPr>
+                          <m:ctrlPr>
+                            <a:rPr lang="fr-FR" sz="1600" b="0" i="1" smtClean="0">
+                              <a:latin typeface="Cambria Math" panose="02040503050406030204" pitchFamily="18" charset="0"/>
+                            </a:rPr>
+                          </m:ctrlPr>
+                        </m:sSubPr>
+                        <m:e>
+                          <m:r>
+                            <a:rPr lang="fr-FR" sz="1600" b="0" i="1" smtClean="0">
+                              <a:latin typeface="Cambria Math" panose="02040503050406030204" pitchFamily="18" charset="0"/>
+                            </a:rPr>
+                            <m:t>𝐿</m:t>
+                          </m:r>
+                        </m:e>
+                        <m:sub>
+                          <m:r>
+                            <a:rPr lang="fr-FR" sz="1600" b="0" i="1" smtClean="0">
+                              <a:latin typeface="Cambria Math" panose="02040503050406030204" pitchFamily="18" charset="0"/>
+                            </a:rPr>
+                            <m:t>6</m:t>
+                          </m:r>
+                        </m:sub>
+                      </m:sSub>
+                    </m:oMath>
+                  </m:oMathPara>
+                </a14:m>
+                <a:endParaRPr lang="fr-FR" sz="1600" dirty="0"/>
+              </a:p>
+            </p:txBody>
+          </p:sp>
+        </mc:Choice>
+        <mc:Fallback>
+          <p:sp>
+            <p:nvSpPr>
+              <p:cNvPr id="62" name="ZoneTexte 61">
+                <a:extLst>
+                  <a:ext uri="{FF2B5EF4-FFF2-40B4-BE49-F238E27FC236}">
+                    <a16:creationId xmlns:a16="http://schemas.microsoft.com/office/drawing/2014/main" id="{767D75D4-ACDB-4F5A-BA86-8182CC142800}"/>
+                  </a:ext>
+                </a:extLst>
+              </p:cNvPr>
+              <p:cNvSpPr txBox="1">
+                <a:spLocks noRot="1" noChangeAspect="1" noMove="1" noResize="1" noEditPoints="1" noAdjustHandles="1" noChangeArrowheads="1" noChangeShapeType="1" noTextEdit="1"/>
+              </p:cNvSpPr>
+              <p:nvPr/>
+            </p:nvSpPr>
+            <p:spPr>
+              <a:xfrm>
+                <a:off x="5310805" y="4025969"/>
+                <a:ext cx="250581" cy="246221"/>
+              </a:xfrm>
+              <a:prstGeom prst="rect">
+                <a:avLst/>
+              </a:prstGeom>
+              <a:blipFill>
+                <a:blip r:embed="rId10"/>
+                <a:stretch>
+                  <a:fillRect l="-17073" r="-7317" b="-12195"/>
+                </a:stretch>
+              </a:blipFill>
+            </p:spPr>
+            <p:txBody>
+              <a:bodyPr/>
+              <a:lstStyle/>
+              <a:p>
+                <a:r>
+                  <a:rPr lang="fr-FR">
+                    <a:noFill/>
+                  </a:rPr>
+                  <a:t> </a:t>
+                </a:r>
+              </a:p>
+            </p:txBody>
+          </p:sp>
+        </mc:Fallback>
+      </mc:AlternateContent>
+      <mc:AlternateContent xmlns:mc="http://schemas.openxmlformats.org/markup-compatibility/2006">
+        <mc:Choice xmlns:a14="http://schemas.microsoft.com/office/drawing/2010/main" Requires="a14">
+          <p:sp>
+            <p:nvSpPr>
+              <p:cNvPr id="63" name="ZoneTexte 62">
+                <a:extLst>
+                  <a:ext uri="{FF2B5EF4-FFF2-40B4-BE49-F238E27FC236}">
+                    <a16:creationId xmlns:a16="http://schemas.microsoft.com/office/drawing/2014/main" id="{5A83AD7D-8CFC-48DD-B226-CC91686B5134}"/>
+                  </a:ext>
+                </a:extLst>
+              </p:cNvPr>
+              <p:cNvSpPr txBox="1"/>
+              <p:nvPr/>
+            </p:nvSpPr>
+            <p:spPr>
+              <a:xfrm>
+                <a:off x="6237222" y="4025969"/>
+                <a:ext cx="250581" cy="246221"/>
+              </a:xfrm>
+              <a:prstGeom prst="rect">
+                <a:avLst/>
+              </a:prstGeom>
+              <a:noFill/>
+            </p:spPr>
+            <p:txBody>
+              <a:bodyPr wrap="none" lIns="0" tIns="0" rIns="0" bIns="0" rtlCol="0">
+                <a:spAutoFit/>
+              </a:bodyPr>
+              <a:lstStyle/>
+              <a:p>
+                <a14:m>
+                  <m:oMathPara xmlns:m="http://schemas.openxmlformats.org/officeDocument/2006/math">
+                    <m:oMathParaPr>
+                      <m:jc m:val="centerGroup"/>
+                    </m:oMathParaPr>
+                    <m:oMath xmlns:m="http://schemas.openxmlformats.org/officeDocument/2006/math">
+                      <m:sSub>
+                        <m:sSubPr>
+                          <m:ctrlPr>
+                            <a:rPr lang="fr-FR" sz="1600" b="0" i="1" smtClean="0">
+                              <a:latin typeface="Cambria Math" panose="02040503050406030204" pitchFamily="18" charset="0"/>
+                            </a:rPr>
+                          </m:ctrlPr>
+                        </m:sSubPr>
+                        <m:e>
+                          <m:r>
+                            <a:rPr lang="fr-FR" sz="1600" b="0" i="1" smtClean="0">
+                              <a:latin typeface="Cambria Math" panose="02040503050406030204" pitchFamily="18" charset="0"/>
+                            </a:rPr>
+                            <m:t>𝐿</m:t>
+                          </m:r>
+                        </m:e>
+                        <m:sub>
+                          <m:r>
+                            <a:rPr lang="fr-FR" sz="1600" b="0" i="1" smtClean="0">
+                              <a:latin typeface="Cambria Math" panose="02040503050406030204" pitchFamily="18" charset="0"/>
+                            </a:rPr>
+                            <m:t>3</m:t>
+                          </m:r>
+                        </m:sub>
+                      </m:sSub>
+                    </m:oMath>
+                  </m:oMathPara>
+                </a14:m>
+                <a:endParaRPr lang="fr-FR" sz="1600" dirty="0"/>
+              </a:p>
+            </p:txBody>
+          </p:sp>
+        </mc:Choice>
+        <mc:Fallback>
+          <p:sp>
+            <p:nvSpPr>
+              <p:cNvPr id="63" name="ZoneTexte 62">
+                <a:extLst>
+                  <a:ext uri="{FF2B5EF4-FFF2-40B4-BE49-F238E27FC236}">
+                    <a16:creationId xmlns:a16="http://schemas.microsoft.com/office/drawing/2014/main" id="{5A83AD7D-8CFC-48DD-B226-CC91686B5134}"/>
+                  </a:ext>
+                </a:extLst>
+              </p:cNvPr>
+              <p:cNvSpPr txBox="1">
+                <a:spLocks noRot="1" noChangeAspect="1" noMove="1" noResize="1" noEditPoints="1" noAdjustHandles="1" noChangeArrowheads="1" noChangeShapeType="1" noTextEdit="1"/>
+              </p:cNvSpPr>
+              <p:nvPr/>
+            </p:nvSpPr>
+            <p:spPr>
+              <a:xfrm>
+                <a:off x="6237222" y="4025969"/>
+                <a:ext cx="250581" cy="246221"/>
+              </a:xfrm>
+              <a:prstGeom prst="rect">
+                <a:avLst/>
+              </a:prstGeom>
+              <a:blipFill>
+                <a:blip r:embed="rId11"/>
+                <a:stretch>
+                  <a:fillRect l="-17073" r="-7317" b="-12195"/>
+                </a:stretch>
+              </a:blipFill>
+            </p:spPr>
+            <p:txBody>
+              <a:bodyPr/>
+              <a:lstStyle/>
+              <a:p>
+                <a:r>
+                  <a:rPr lang="fr-FR">
+                    <a:noFill/>
+                  </a:rPr>
+                  <a:t> </a:t>
+                </a:r>
+              </a:p>
+            </p:txBody>
+          </p:sp>
+        </mc:Fallback>
+      </mc:AlternateContent>
+      <mc:AlternateContent xmlns:mc="http://schemas.openxmlformats.org/markup-compatibility/2006">
+        <mc:Choice xmlns:a14="http://schemas.microsoft.com/office/drawing/2010/main" Requires="a14">
+          <p:sp>
+            <p:nvSpPr>
+              <p:cNvPr id="64" name="ZoneTexte 63">
+                <a:extLst>
+                  <a:ext uri="{FF2B5EF4-FFF2-40B4-BE49-F238E27FC236}">
+                    <a16:creationId xmlns:a16="http://schemas.microsoft.com/office/drawing/2014/main" id="{9FED2D89-A4B8-4F45-9937-BBD276A79AF8}"/>
+                  </a:ext>
+                </a:extLst>
+              </p:cNvPr>
+              <p:cNvSpPr txBox="1"/>
+              <p:nvPr/>
+            </p:nvSpPr>
+            <p:spPr>
+              <a:xfrm>
+                <a:off x="6982406" y="4041642"/>
+                <a:ext cx="250581" cy="246221"/>
+              </a:xfrm>
+              <a:prstGeom prst="rect">
+                <a:avLst/>
+              </a:prstGeom>
+              <a:noFill/>
+            </p:spPr>
+            <p:txBody>
+              <a:bodyPr wrap="none" lIns="0" tIns="0" rIns="0" bIns="0" rtlCol="0">
+                <a:spAutoFit/>
+              </a:bodyPr>
+              <a:lstStyle/>
+              <a:p>
+                <a14:m>
+                  <m:oMathPara xmlns:m="http://schemas.openxmlformats.org/officeDocument/2006/math">
+                    <m:oMathParaPr>
+                      <m:jc m:val="centerGroup"/>
+                    </m:oMathParaPr>
+                    <m:oMath xmlns:m="http://schemas.openxmlformats.org/officeDocument/2006/math">
+                      <m:sSub>
+                        <m:sSubPr>
+                          <m:ctrlPr>
+                            <a:rPr lang="fr-FR" sz="1600" b="0" i="1" smtClean="0">
+                              <a:latin typeface="Cambria Math" panose="02040503050406030204" pitchFamily="18" charset="0"/>
+                            </a:rPr>
+                          </m:ctrlPr>
+                        </m:sSubPr>
+                        <m:e>
+                          <m:r>
+                            <a:rPr lang="fr-FR" sz="1600" b="0" i="1" smtClean="0">
+                              <a:latin typeface="Cambria Math" panose="02040503050406030204" pitchFamily="18" charset="0"/>
+                            </a:rPr>
+                            <m:t>𝐿</m:t>
+                          </m:r>
+                        </m:e>
+                        <m:sub>
+                          <m:r>
+                            <a:rPr lang="fr-FR" sz="1600" b="0" i="1" smtClean="0">
+                              <a:latin typeface="Cambria Math" panose="02040503050406030204" pitchFamily="18" charset="0"/>
+                            </a:rPr>
+                            <m:t>4</m:t>
+                          </m:r>
+                        </m:sub>
+                      </m:sSub>
+                    </m:oMath>
+                  </m:oMathPara>
+                </a14:m>
+                <a:endParaRPr lang="fr-FR" sz="1600" dirty="0"/>
+              </a:p>
+            </p:txBody>
+          </p:sp>
+        </mc:Choice>
+        <mc:Fallback>
+          <p:sp>
+            <p:nvSpPr>
+              <p:cNvPr id="64" name="ZoneTexte 63">
+                <a:extLst>
+                  <a:ext uri="{FF2B5EF4-FFF2-40B4-BE49-F238E27FC236}">
+                    <a16:creationId xmlns:a16="http://schemas.microsoft.com/office/drawing/2014/main" id="{9FED2D89-A4B8-4F45-9937-BBD276A79AF8}"/>
+                  </a:ext>
+                </a:extLst>
+              </p:cNvPr>
+              <p:cNvSpPr txBox="1">
+                <a:spLocks noRot="1" noChangeAspect="1" noMove="1" noResize="1" noEditPoints="1" noAdjustHandles="1" noChangeArrowheads="1" noChangeShapeType="1" noTextEdit="1"/>
+              </p:cNvSpPr>
+              <p:nvPr/>
+            </p:nvSpPr>
+            <p:spPr>
+              <a:xfrm>
+                <a:off x="6982406" y="4041642"/>
+                <a:ext cx="250581" cy="246221"/>
+              </a:xfrm>
+              <a:prstGeom prst="rect">
+                <a:avLst/>
+              </a:prstGeom>
+              <a:blipFill>
+                <a:blip r:embed="rId12"/>
+                <a:stretch>
+                  <a:fillRect l="-16667" r="-4762" b="-15000"/>
+                </a:stretch>
+              </a:blipFill>
+            </p:spPr>
+            <p:txBody>
+              <a:bodyPr/>
+              <a:lstStyle/>
+              <a:p>
+                <a:r>
+                  <a:rPr lang="fr-FR">
+                    <a:noFill/>
+                  </a:rPr>
+                  <a:t> </a:t>
+                </a:r>
+              </a:p>
+            </p:txBody>
+          </p:sp>
+        </mc:Fallback>
+      </mc:AlternateContent>
+      <mc:AlternateContent xmlns:mc="http://schemas.openxmlformats.org/markup-compatibility/2006">
+        <mc:Choice xmlns:a14="http://schemas.microsoft.com/office/drawing/2010/main" Requires="a14">
+          <p:sp>
+            <p:nvSpPr>
+              <p:cNvPr id="65" name="ZoneTexte 64">
+                <a:extLst>
+                  <a:ext uri="{FF2B5EF4-FFF2-40B4-BE49-F238E27FC236}">
+                    <a16:creationId xmlns:a16="http://schemas.microsoft.com/office/drawing/2014/main" id="{3AA0FD31-71FA-4EF3-B68A-B016D49D3792}"/>
+                  </a:ext>
+                </a:extLst>
+              </p:cNvPr>
+              <p:cNvSpPr txBox="1"/>
+              <p:nvPr/>
+            </p:nvSpPr>
+            <p:spPr>
+              <a:xfrm>
+                <a:off x="7186984" y="3542819"/>
+                <a:ext cx="250581" cy="246221"/>
+              </a:xfrm>
+              <a:prstGeom prst="rect">
+                <a:avLst/>
+              </a:prstGeom>
+              <a:noFill/>
+            </p:spPr>
+            <p:txBody>
+              <a:bodyPr wrap="none" lIns="0" tIns="0" rIns="0" bIns="0" rtlCol="0">
+                <a:spAutoFit/>
+              </a:bodyPr>
+              <a:lstStyle/>
+              <a:p>
+                <a14:m>
+                  <m:oMathPara xmlns:m="http://schemas.openxmlformats.org/officeDocument/2006/math">
+                    <m:oMathParaPr>
+                      <m:jc m:val="centerGroup"/>
+                    </m:oMathParaPr>
+                    <m:oMath xmlns:m="http://schemas.openxmlformats.org/officeDocument/2006/math">
+                      <m:sSub>
+                        <m:sSubPr>
+                          <m:ctrlPr>
+                            <a:rPr lang="fr-FR" sz="1600" b="0" i="1" smtClean="0">
+                              <a:latin typeface="Cambria Math" panose="02040503050406030204" pitchFamily="18" charset="0"/>
+                            </a:rPr>
+                          </m:ctrlPr>
+                        </m:sSubPr>
+                        <m:e>
+                          <m:r>
+                            <a:rPr lang="fr-FR" sz="1600" b="0" i="1" smtClean="0">
+                              <a:latin typeface="Cambria Math" panose="02040503050406030204" pitchFamily="18" charset="0"/>
+                            </a:rPr>
+                            <m:t>𝐿</m:t>
+                          </m:r>
+                        </m:e>
+                        <m:sub>
+                          <m:r>
+                            <a:rPr lang="fr-FR" sz="1600" b="0" i="1" smtClean="0">
+                              <a:latin typeface="Cambria Math" panose="02040503050406030204" pitchFamily="18" charset="0"/>
+                            </a:rPr>
+                            <m:t>2</m:t>
+                          </m:r>
+                        </m:sub>
+                      </m:sSub>
+                    </m:oMath>
+                  </m:oMathPara>
+                </a14:m>
+                <a:endParaRPr lang="fr-FR" sz="1600" dirty="0"/>
+              </a:p>
+            </p:txBody>
+          </p:sp>
+        </mc:Choice>
+        <mc:Fallback>
+          <p:sp>
+            <p:nvSpPr>
+              <p:cNvPr id="65" name="ZoneTexte 64">
+                <a:extLst>
+                  <a:ext uri="{FF2B5EF4-FFF2-40B4-BE49-F238E27FC236}">
+                    <a16:creationId xmlns:a16="http://schemas.microsoft.com/office/drawing/2014/main" id="{3AA0FD31-71FA-4EF3-B68A-B016D49D3792}"/>
+                  </a:ext>
+                </a:extLst>
+              </p:cNvPr>
+              <p:cNvSpPr txBox="1">
+                <a:spLocks noRot="1" noChangeAspect="1" noMove="1" noResize="1" noEditPoints="1" noAdjustHandles="1" noChangeArrowheads="1" noChangeShapeType="1" noTextEdit="1"/>
+              </p:cNvSpPr>
+              <p:nvPr/>
+            </p:nvSpPr>
+            <p:spPr>
+              <a:xfrm>
+                <a:off x="7186984" y="3542819"/>
+                <a:ext cx="250581" cy="246221"/>
+              </a:xfrm>
+              <a:prstGeom prst="rect">
+                <a:avLst/>
+              </a:prstGeom>
+              <a:blipFill>
+                <a:blip r:embed="rId13"/>
+                <a:stretch>
+                  <a:fillRect l="-19512" r="-7317" b="-12195"/>
+                </a:stretch>
+              </a:blipFill>
+            </p:spPr>
+            <p:txBody>
+              <a:bodyPr/>
+              <a:lstStyle/>
+              <a:p>
+                <a:r>
+                  <a:rPr lang="fr-FR">
+                    <a:noFill/>
+                  </a:rPr>
+                  <a:t> </a:t>
+                </a:r>
+              </a:p>
+            </p:txBody>
+          </p:sp>
+        </mc:Fallback>
+      </mc:AlternateContent>
+      <mc:AlternateContent xmlns:mc="http://schemas.openxmlformats.org/markup-compatibility/2006">
+        <mc:Choice xmlns:a14="http://schemas.microsoft.com/office/drawing/2010/main" Requires="a14">
+          <p:sp>
+            <p:nvSpPr>
+              <p:cNvPr id="66" name="ZoneTexte 65">
+                <a:extLst>
+                  <a:ext uri="{FF2B5EF4-FFF2-40B4-BE49-F238E27FC236}">
+                    <a16:creationId xmlns:a16="http://schemas.microsoft.com/office/drawing/2014/main" id="{EFA5D9B4-593A-48A2-AA99-B96DB8D5C322}"/>
+                  </a:ext>
+                </a:extLst>
+              </p:cNvPr>
+              <p:cNvSpPr txBox="1"/>
+              <p:nvPr/>
+            </p:nvSpPr>
+            <p:spPr>
+              <a:xfrm>
+                <a:off x="7212214" y="4509120"/>
+                <a:ext cx="245837" cy="246221"/>
+              </a:xfrm>
+              <a:prstGeom prst="rect">
+                <a:avLst/>
+              </a:prstGeom>
+              <a:noFill/>
+            </p:spPr>
+            <p:txBody>
+              <a:bodyPr wrap="none" lIns="0" tIns="0" rIns="0" bIns="0" rtlCol="0">
+                <a:spAutoFit/>
+              </a:bodyPr>
+              <a:lstStyle/>
+              <a:p>
+                <a14:m>
+                  <m:oMathPara xmlns:m="http://schemas.openxmlformats.org/officeDocument/2006/math">
+                    <m:oMathParaPr>
+                      <m:jc m:val="centerGroup"/>
+                    </m:oMathParaPr>
+                    <m:oMath xmlns:m="http://schemas.openxmlformats.org/officeDocument/2006/math">
+                      <m:sSub>
+                        <m:sSubPr>
+                          <m:ctrlPr>
+                            <a:rPr lang="fr-FR" sz="1600" b="0" i="1" smtClean="0">
+                              <a:latin typeface="Cambria Math" panose="02040503050406030204" pitchFamily="18" charset="0"/>
+                            </a:rPr>
+                          </m:ctrlPr>
+                        </m:sSubPr>
+                        <m:e>
+                          <m:r>
+                            <a:rPr lang="fr-FR" sz="1600" b="0" i="1" smtClean="0">
+                              <a:latin typeface="Cambria Math" panose="02040503050406030204" pitchFamily="18" charset="0"/>
+                            </a:rPr>
+                            <m:t>𝐿</m:t>
+                          </m:r>
+                        </m:e>
+                        <m:sub>
+                          <m:r>
+                            <a:rPr lang="fr-FR" sz="1600" b="0" i="1" smtClean="0">
+                              <a:latin typeface="Cambria Math" panose="02040503050406030204" pitchFamily="18" charset="0"/>
+                            </a:rPr>
+                            <m:t>1</m:t>
+                          </m:r>
+                        </m:sub>
+                      </m:sSub>
+                    </m:oMath>
+                  </m:oMathPara>
+                </a14:m>
+                <a:endParaRPr lang="fr-FR" sz="1600" dirty="0"/>
+              </a:p>
+            </p:txBody>
+          </p:sp>
+        </mc:Choice>
+        <mc:Fallback>
+          <p:sp>
+            <p:nvSpPr>
+              <p:cNvPr id="66" name="ZoneTexte 65">
+                <a:extLst>
+                  <a:ext uri="{FF2B5EF4-FFF2-40B4-BE49-F238E27FC236}">
+                    <a16:creationId xmlns:a16="http://schemas.microsoft.com/office/drawing/2014/main" id="{EFA5D9B4-593A-48A2-AA99-B96DB8D5C322}"/>
+                  </a:ext>
+                </a:extLst>
+              </p:cNvPr>
+              <p:cNvSpPr txBox="1">
+                <a:spLocks noRot="1" noChangeAspect="1" noMove="1" noResize="1" noEditPoints="1" noAdjustHandles="1" noChangeArrowheads="1" noChangeShapeType="1" noTextEdit="1"/>
+              </p:cNvSpPr>
+              <p:nvPr/>
+            </p:nvSpPr>
+            <p:spPr>
+              <a:xfrm>
+                <a:off x="7212214" y="4509120"/>
+                <a:ext cx="245837" cy="246221"/>
+              </a:xfrm>
+              <a:prstGeom prst="rect">
+                <a:avLst/>
+              </a:prstGeom>
+              <a:blipFill>
+                <a:blip r:embed="rId14"/>
+                <a:stretch>
+                  <a:fillRect l="-17500" r="-7500" b="-15000"/>
                 </a:stretch>
               </a:blipFill>
             </p:spPr>
@@ -15027,18 +16535,13 @@
           <a:p>
             <a:pPr algn="ctr"/>
             <a:r>
-              <a:rPr lang="fr-FR" sz="1400" b="1" dirty="0" smtClean="0">
+              <a:rPr lang="fr-FR" sz="1400" b="1" dirty="0">
                 <a:solidFill>
                   <a:schemeClr val="accent4"/>
                 </a:solidFill>
               </a:rPr>
               <a:t>1</a:t>
             </a:r>
-            <a:endParaRPr lang="fr-FR" sz="1400" b="1" dirty="0">
-              <a:solidFill>
-                <a:schemeClr val="accent4"/>
-              </a:solidFill>
-            </a:endParaRPr>
           </a:p>
         </p:txBody>
       </p:sp>
@@ -15148,18 +16651,13 @@
           <a:p>
             <a:pPr algn="ctr"/>
             <a:r>
-              <a:rPr lang="fr-FR" sz="1400" b="1" dirty="0" smtClean="0">
+              <a:rPr lang="fr-FR" sz="1400" b="1" dirty="0">
                 <a:solidFill>
                   <a:schemeClr val="accent3"/>
                 </a:solidFill>
               </a:rPr>
               <a:t>3</a:t>
             </a:r>
-            <a:endParaRPr lang="fr-FR" sz="1400" b="1" dirty="0">
-              <a:solidFill>
-                <a:schemeClr val="accent3"/>
-              </a:solidFill>
-            </a:endParaRPr>
           </a:p>
         </p:txBody>
       </p:sp>
@@ -15210,18 +16708,13 @@
           <a:p>
             <a:pPr algn="ctr"/>
             <a:r>
-              <a:rPr lang="fr-FR" sz="1400" b="1" dirty="0" smtClean="0">
+              <a:rPr lang="fr-FR" sz="1400" b="1" dirty="0">
                 <a:solidFill>
                   <a:schemeClr val="tx1"/>
                 </a:solidFill>
               </a:rPr>
               <a:t>4</a:t>
             </a:r>
-            <a:endParaRPr lang="fr-FR" sz="1400" b="1" dirty="0">
-              <a:solidFill>
-                <a:schemeClr val="tx1"/>
-              </a:solidFill>
-            </a:endParaRPr>
           </a:p>
         </p:txBody>
       </p:sp>
@@ -15275,7 +16768,7 @@
           <a:p>
             <a:pPr algn="ctr"/>
             <a:r>
-              <a:rPr lang="fr-FR" sz="1400" b="1" dirty="0" smtClean="0">
+              <a:rPr lang="fr-FR" sz="1400" b="1" dirty="0">
                 <a:solidFill>
                   <a:schemeClr val="accent6">
                     <a:lumMod val="50000"/>
@@ -15284,13 +16777,6 @@
               </a:rPr>
               <a:t>0</a:t>
             </a:r>
-            <a:endParaRPr lang="fr-FR" sz="1400" b="1" dirty="0">
-              <a:solidFill>
-                <a:schemeClr val="accent6">
-                  <a:lumMod val="50000"/>
-                </a:schemeClr>
-              </a:solidFill>
-            </a:endParaRPr>
           </a:p>
         </p:txBody>
       </p:sp>
@@ -15471,7 +16957,7 @@
               <a:lstStyle/>
               <a:p>
                 <a:r>
-                  <a:rPr lang="fr-FR" sz="1100" b="0" dirty="0" smtClean="0"/>
+                  <a:rPr lang="fr-FR" sz="1100" b="0" dirty="0"/>
                   <a:t>Pivot </a:t>
                 </a:r>
                 <a14:m>
@@ -15480,7 +16966,7 @@
                       <m:dPr>
                         <m:ctrlPr>
                           <a:rPr lang="fr-FR" sz="1100" b="0" i="1" smtClean="0">
-                            <a:latin typeface="Cambria Math"/>
+                            <a:latin typeface="Cambria Math" panose="02040503050406030204" pitchFamily="18" charset="0"/>
                           </a:rPr>
                         </m:ctrlPr>
                       </m:dPr>
@@ -15502,7 +16988,7 @@
                             <m:chr m:val="⃗"/>
                             <m:ctrlPr>
                               <a:rPr lang="fr-FR" sz="1100" b="0" i="1" smtClean="0">
-                                <a:latin typeface="Cambria Math"/>
+                                <a:latin typeface="Cambria Math" panose="02040503050406030204" pitchFamily="18" charset="0"/>
                               </a:rPr>
                             </m:ctrlPr>
                           </m:accPr>
@@ -15511,7 +16997,7 @@
                               <m:sSubPr>
                                 <m:ctrlPr>
                                   <a:rPr lang="fr-FR" sz="1100" b="0" i="1" smtClean="0">
-                                    <a:latin typeface="Cambria Math"/>
+                                    <a:latin typeface="Cambria Math" panose="02040503050406030204" pitchFamily="18" charset="0"/>
                                   </a:rPr>
                                 </m:ctrlPr>
                               </m:sSubPr>
@@ -15607,7 +17093,7 @@
               <a:lstStyle/>
               <a:p>
                 <a:r>
-                  <a:rPr lang="fr-FR" sz="1100" b="0" dirty="0" smtClean="0"/>
+                  <a:rPr lang="fr-FR" sz="1100" b="0" dirty="0"/>
                   <a:t>Pivot </a:t>
                 </a:r>
                 <a14:m>
@@ -15616,7 +17102,7 @@
                       <m:dPr>
                         <m:ctrlPr>
                           <a:rPr lang="fr-FR" sz="1100" b="0" i="1" smtClean="0">
-                            <a:latin typeface="Cambria Math"/>
+                            <a:latin typeface="Cambria Math" panose="02040503050406030204" pitchFamily="18" charset="0"/>
                           </a:rPr>
                         </m:ctrlPr>
                       </m:dPr>
@@ -15638,7 +17124,7 @@
                             <m:chr m:val="⃗"/>
                             <m:ctrlPr>
                               <a:rPr lang="fr-FR" sz="1100" b="0" i="1" smtClean="0">
-                                <a:latin typeface="Cambria Math"/>
+                                <a:latin typeface="Cambria Math" panose="02040503050406030204" pitchFamily="18" charset="0"/>
                               </a:rPr>
                             </m:ctrlPr>
                           </m:accPr>
@@ -15647,7 +17133,7 @@
                               <m:sSubPr>
                                 <m:ctrlPr>
                                   <a:rPr lang="fr-FR" sz="1100" b="0" i="1" smtClean="0">
-                                    <a:latin typeface="Cambria Math"/>
+                                    <a:latin typeface="Cambria Math" panose="02040503050406030204" pitchFamily="18" charset="0"/>
                                   </a:rPr>
                                 </m:ctrlPr>
                               </m:sSubPr>
@@ -15743,7 +17229,7 @@
               <a:lstStyle/>
               <a:p>
                 <a:r>
-                  <a:rPr lang="fr-FR" sz="1100" b="0" dirty="0" smtClean="0"/>
+                  <a:rPr lang="fr-FR" sz="1100" b="0" dirty="0"/>
                   <a:t>Pivot </a:t>
                 </a:r>
                 <a14:m>
@@ -15752,7 +17238,7 @@
                       <m:dPr>
                         <m:ctrlPr>
                           <a:rPr lang="fr-FR" sz="1100" b="0" i="1" smtClean="0">
-                            <a:latin typeface="Cambria Math"/>
+                            <a:latin typeface="Cambria Math" panose="02040503050406030204" pitchFamily="18" charset="0"/>
                           </a:rPr>
                         </m:ctrlPr>
                       </m:dPr>
@@ -15774,7 +17260,7 @@
                             <m:chr m:val="⃗"/>
                             <m:ctrlPr>
                               <a:rPr lang="fr-FR" sz="1100" b="0" i="1" smtClean="0">
-                                <a:latin typeface="Cambria Math"/>
+                                <a:latin typeface="Cambria Math" panose="02040503050406030204" pitchFamily="18" charset="0"/>
                               </a:rPr>
                             </m:ctrlPr>
                           </m:accPr>
@@ -15783,7 +17269,7 @@
                               <m:sSubPr>
                                 <m:ctrlPr>
                                   <a:rPr lang="fr-FR" sz="1100" b="0" i="1" smtClean="0">
-                                    <a:latin typeface="Cambria Math"/>
+                                    <a:latin typeface="Cambria Math" panose="02040503050406030204" pitchFamily="18" charset="0"/>
                                   </a:rPr>
                                 </m:ctrlPr>
                               </m:sSubPr>
@@ -15879,7 +17365,7 @@
               <a:lstStyle/>
               <a:p>
                 <a:r>
-                  <a:rPr lang="fr-FR" sz="1100" b="0" dirty="0" smtClean="0"/>
+                  <a:rPr lang="fr-FR" sz="1100" b="0" dirty="0"/>
                   <a:t>Glissière </a:t>
                 </a:r>
                 <a14:m>
@@ -15888,7 +17374,7 @@
                       <m:dPr>
                         <m:ctrlPr>
                           <a:rPr lang="fr-FR" sz="1100" b="0" i="1" smtClean="0">
-                            <a:latin typeface="Cambria Math"/>
+                            <a:latin typeface="Cambria Math" panose="02040503050406030204" pitchFamily="18" charset="0"/>
                           </a:rPr>
                         </m:ctrlPr>
                       </m:dPr>
@@ -15898,7 +17384,7 @@
                             <m:chr m:val="⃗"/>
                             <m:ctrlPr>
                               <a:rPr lang="fr-FR" sz="1100" b="0" i="1" smtClean="0">
-                                <a:latin typeface="Cambria Math"/>
+                                <a:latin typeface="Cambria Math" panose="02040503050406030204" pitchFamily="18" charset="0"/>
                               </a:rPr>
                             </m:ctrlPr>
                           </m:accPr>
@@ -15907,7 +17393,7 @@
                               <m:sSubPr>
                                 <m:ctrlPr>
                                   <a:rPr lang="fr-FR" sz="1100" b="0" i="1" smtClean="0">
-                                    <a:latin typeface="Cambria Math"/>
+                                    <a:latin typeface="Cambria Math" panose="02040503050406030204" pitchFamily="18" charset="0"/>
                                   </a:rPr>
                                 </m:ctrlPr>
                               </m:sSubPr>
@@ -16132,7 +17618,7 @@
           <a:lstStyle/>
           <a:p>
             <a:r>
-              <a:rPr lang="fr-FR" sz="1100" b="0" dirty="0" smtClean="0"/>
+              <a:rPr lang="fr-FR" sz="1100" b="0" dirty="0"/>
               <a:t>Liaison à définir</a:t>
             </a:r>
             <a:endParaRPr lang="fr-FR" sz="1100" dirty="0"/>
